--- a/Defense PA GTT.pptx
+++ b/Defense PA GTT.pptx
@@ -5,7 +5,7 @@
     <p:sldMasterId id="2147483648" r:id="rId1"/>
   </p:sldMasterIdLst>
   <p:notesMasterIdLst>
-    <p:notesMasterId r:id="rId17"/>
+    <p:notesMasterId r:id="rId15"/>
   </p:notesMasterIdLst>
   <p:sldIdLst>
     <p:sldId id="256" r:id="rId2"/>
@@ -15,14 +15,12 @@
     <p:sldId id="270" r:id="rId6"/>
     <p:sldId id="267" r:id="rId7"/>
     <p:sldId id="266" r:id="rId8"/>
-    <p:sldId id="260" r:id="rId9"/>
-    <p:sldId id="261" r:id="rId10"/>
-    <p:sldId id="268" r:id="rId11"/>
-    <p:sldId id="269" r:id="rId12"/>
-    <p:sldId id="263" r:id="rId13"/>
-    <p:sldId id="264" r:id="rId14"/>
-    <p:sldId id="265" r:id="rId15"/>
-    <p:sldId id="271" r:id="rId16"/>
+    <p:sldId id="261" r:id="rId9"/>
+    <p:sldId id="269" r:id="rId10"/>
+    <p:sldId id="263" r:id="rId11"/>
+    <p:sldId id="264" r:id="rId12"/>
+    <p:sldId id="265" r:id="rId13"/>
+    <p:sldId id="271" r:id="rId14"/>
   </p:sldIdLst>
   <p:sldSz cx="12192000" cy="6858000"/>
   <p:notesSz cx="6858000" cy="9144000"/>
@@ -121,6 +119,11 @@
       </a:defRPr>
     </a:lvl9pPr>
   </p:defaultTextStyle>
+  <p:extLst>
+    <p:ext uri="{EFAFB233-063F-42B5-8137-9DF3F51BA10A}">
+      <p15:sldGuideLst xmlns:p15="http://schemas.microsoft.com/office/powerpoint/2012/main"/>
+    </p:ext>
+  </p:extLst>
 </p:presentation>
 </file>
 
@@ -173,7 +176,7 @@
             </a:lvl1pPr>
           </a:lstStyle>
           <a:p>
-            <a:endParaRPr lang="en-GB"/>
+            <a:endParaRPr lang="en-GB" dirty="0"/>
           </a:p>
         </p:txBody>
       </p:sp>
@@ -206,9 +209,9 @@
           <a:p>
             <a:fld id="{C8181E42-D9C9-4E0F-B495-5E6A036B377F}" type="datetimeFigureOut">
               <a:rPr lang="en-GB" smtClean="0"/>
-              <a:t>15/06/2017</a:t>
+              <a:t>16/06/2017</a:t>
             </a:fld>
-            <a:endParaRPr lang="en-GB"/>
+            <a:endParaRPr lang="en-GB" dirty="0"/>
           </a:p>
         </p:txBody>
       </p:sp>
@@ -241,7 +244,7 @@
           <a:bodyPr vert="horz" lIns="91440" tIns="45720" rIns="91440" bIns="45720" rtlCol="0" anchor="ctr"/>
           <a:lstStyle/>
           <a:p>
-            <a:endParaRPr lang="en-GB"/>
+            <a:endParaRPr lang="en-GB" dirty="0"/>
           </a:p>
         </p:txBody>
       </p:sp>
@@ -332,7 +335,7 @@
             </a:lvl1pPr>
           </a:lstStyle>
           <a:p>
-            <a:endParaRPr lang="en-GB"/>
+            <a:endParaRPr lang="en-GB" dirty="0"/>
           </a:p>
         </p:txBody>
       </p:sp>
@@ -367,7 +370,7 @@
               <a:rPr lang="en-GB" smtClean="0"/>
               <a:t>‹N°›</a:t>
             </a:fld>
-            <a:endParaRPr lang="en-GB"/>
+            <a:endParaRPr lang="en-GB" dirty="0"/>
           </a:p>
         </p:txBody>
       </p:sp>
@@ -605,9 +608,9 @@
           <a:p>
             <a:fld id="{8B185351-06B3-463E-89F9-F3A8DB8C61C0}" type="datetime1">
               <a:rPr lang="fr-CH" smtClean="0"/>
-              <a:t>15.06.2017</a:t>
+              <a:t>16.06.2017</a:t>
             </a:fld>
-            <a:endParaRPr lang="en-GB"/>
+            <a:endParaRPr lang="en-GB" dirty="0"/>
           </a:p>
         </p:txBody>
       </p:sp>
@@ -627,10 +630,9 @@
           <a:lstStyle/>
           <a:p>
             <a:r>
-              <a:rPr lang="en-GB"/>
+              <a:rPr lang="en-GB" dirty="0"/>
               <a:t>APP CIIP - Projet d’approfondissement</a:t>
             </a:r>
-            <a:endParaRPr lang="en-GB"/>
           </a:p>
         </p:txBody>
       </p:sp>
@@ -653,7 +655,7 @@
               <a:rPr lang="en-GB" smtClean="0"/>
               <a:t>‹N°›</a:t>
             </a:fld>
-            <a:endParaRPr lang="en-GB"/>
+            <a:endParaRPr lang="en-GB" dirty="0"/>
           </a:p>
         </p:txBody>
       </p:sp>
@@ -779,9 +781,9 @@
           <a:p>
             <a:fld id="{4DE6CE8A-0FA9-4388-99A1-0AE366AC94D2}" type="datetime1">
               <a:rPr lang="fr-CH" smtClean="0"/>
-              <a:t>15.06.2017</a:t>
+              <a:t>16.06.2017</a:t>
             </a:fld>
-            <a:endParaRPr lang="en-GB"/>
+            <a:endParaRPr lang="en-GB" dirty="0"/>
           </a:p>
         </p:txBody>
       </p:sp>
@@ -801,10 +803,9 @@
           <a:lstStyle/>
           <a:p>
             <a:r>
-              <a:rPr lang="en-GB"/>
+              <a:rPr lang="en-GB" dirty="0"/>
               <a:t>APP CIIP - Projet d’approfondissement</a:t>
             </a:r>
-            <a:endParaRPr lang="en-GB"/>
           </a:p>
         </p:txBody>
       </p:sp>
@@ -827,7 +828,7 @@
               <a:rPr lang="en-GB" smtClean="0"/>
               <a:t>‹N°›</a:t>
             </a:fld>
-            <a:endParaRPr lang="en-GB"/>
+            <a:endParaRPr lang="en-GB" dirty="0"/>
           </a:p>
         </p:txBody>
       </p:sp>
@@ -963,9 +964,9 @@
           <a:p>
             <a:fld id="{135014C0-90E9-42A5-AD66-323B13A048D0}" type="datetime1">
               <a:rPr lang="fr-CH" smtClean="0"/>
-              <a:t>15.06.2017</a:t>
+              <a:t>16.06.2017</a:t>
             </a:fld>
-            <a:endParaRPr lang="en-GB"/>
+            <a:endParaRPr lang="en-GB" dirty="0"/>
           </a:p>
         </p:txBody>
       </p:sp>
@@ -985,10 +986,9 @@
           <a:lstStyle/>
           <a:p>
             <a:r>
-              <a:rPr lang="en-GB"/>
+              <a:rPr lang="en-GB" dirty="0"/>
               <a:t>APP CIIP - Projet d’approfondissement</a:t>
             </a:r>
-            <a:endParaRPr lang="en-GB"/>
           </a:p>
         </p:txBody>
       </p:sp>
@@ -1011,7 +1011,7 @@
               <a:rPr lang="en-GB" smtClean="0"/>
               <a:t>‹N°›</a:t>
             </a:fld>
-            <a:endParaRPr lang="en-GB"/>
+            <a:endParaRPr lang="en-GB" dirty="0"/>
           </a:p>
         </p:txBody>
       </p:sp>
@@ -1137,9 +1137,9 @@
           <a:p>
             <a:fld id="{55440C43-400B-417A-8768-CF5CBF5E4B34}" type="datetime1">
               <a:rPr lang="fr-CH" smtClean="0"/>
-              <a:t>15.06.2017</a:t>
+              <a:t>16.06.2017</a:t>
             </a:fld>
-            <a:endParaRPr lang="en-GB"/>
+            <a:endParaRPr lang="en-GB" dirty="0"/>
           </a:p>
         </p:txBody>
       </p:sp>
@@ -1159,10 +1159,9 @@
           <a:lstStyle/>
           <a:p>
             <a:r>
-              <a:rPr lang="en-GB"/>
+              <a:rPr lang="en-GB" dirty="0"/>
               <a:t>APP CIIP - Projet d’approfondissement</a:t>
             </a:r>
-            <a:endParaRPr lang="en-GB"/>
           </a:p>
         </p:txBody>
       </p:sp>
@@ -1185,7 +1184,7 @@
               <a:rPr lang="en-GB" smtClean="0"/>
               <a:t>‹N°›</a:t>
             </a:fld>
-            <a:endParaRPr lang="en-GB"/>
+            <a:endParaRPr lang="en-GB" dirty="0"/>
           </a:p>
         </p:txBody>
       </p:sp>
@@ -1387,9 +1386,9 @@
           <a:p>
             <a:fld id="{6BE738E7-B750-4AAB-9715-011735E91F91}" type="datetime1">
               <a:rPr lang="fr-CH" smtClean="0"/>
-              <a:t>15.06.2017</a:t>
+              <a:t>16.06.2017</a:t>
             </a:fld>
-            <a:endParaRPr lang="en-GB"/>
+            <a:endParaRPr lang="en-GB" dirty="0"/>
           </a:p>
         </p:txBody>
       </p:sp>
@@ -1409,10 +1408,9 @@
           <a:lstStyle/>
           <a:p>
             <a:r>
-              <a:rPr lang="en-GB"/>
+              <a:rPr lang="en-GB" dirty="0"/>
               <a:t>APP CIIP - Projet d’approfondissement</a:t>
             </a:r>
-            <a:endParaRPr lang="en-GB"/>
           </a:p>
         </p:txBody>
       </p:sp>
@@ -1435,7 +1433,7 @@
               <a:rPr lang="en-GB" smtClean="0"/>
               <a:t>‹N°›</a:t>
             </a:fld>
-            <a:endParaRPr lang="en-GB"/>
+            <a:endParaRPr lang="en-GB" dirty="0"/>
           </a:p>
         </p:txBody>
       </p:sp>
@@ -1623,9 +1621,9 @@
           <a:p>
             <a:fld id="{478818DE-12C7-4092-A6BA-7281A68829E2}" type="datetime1">
               <a:rPr lang="fr-CH" smtClean="0"/>
-              <a:t>15.06.2017</a:t>
+              <a:t>16.06.2017</a:t>
             </a:fld>
-            <a:endParaRPr lang="en-GB"/>
+            <a:endParaRPr lang="en-GB" dirty="0"/>
           </a:p>
         </p:txBody>
       </p:sp>
@@ -1645,10 +1643,9 @@
           <a:lstStyle/>
           <a:p>
             <a:r>
-              <a:rPr lang="en-GB"/>
+              <a:rPr lang="en-GB" dirty="0"/>
               <a:t>APP CIIP - Projet d’approfondissement</a:t>
             </a:r>
-            <a:endParaRPr lang="en-GB"/>
           </a:p>
         </p:txBody>
       </p:sp>
@@ -1671,7 +1668,7 @@
               <a:rPr lang="en-GB" smtClean="0"/>
               <a:t>‹N°›</a:t>
             </a:fld>
-            <a:endParaRPr lang="en-GB"/>
+            <a:endParaRPr lang="en-GB" dirty="0"/>
           </a:p>
         </p:txBody>
       </p:sp>
@@ -1994,9 +1991,9 @@
           <a:p>
             <a:fld id="{5329FF00-FB29-4860-B51C-637B8ECA9859}" type="datetime1">
               <a:rPr lang="fr-CH" smtClean="0"/>
-              <a:t>15.06.2017</a:t>
+              <a:t>16.06.2017</a:t>
             </a:fld>
-            <a:endParaRPr lang="en-GB"/>
+            <a:endParaRPr lang="en-GB" dirty="0"/>
           </a:p>
         </p:txBody>
       </p:sp>
@@ -2016,10 +2013,9 @@
           <a:lstStyle/>
           <a:p>
             <a:r>
-              <a:rPr lang="en-GB"/>
+              <a:rPr lang="en-GB" dirty="0"/>
               <a:t>APP CIIP - Projet d’approfondissement</a:t>
             </a:r>
-            <a:endParaRPr lang="en-GB"/>
           </a:p>
         </p:txBody>
       </p:sp>
@@ -2042,7 +2038,7 @@
               <a:rPr lang="en-GB" smtClean="0"/>
               <a:t>‹N°›</a:t>
             </a:fld>
-            <a:endParaRPr lang="en-GB"/>
+            <a:endParaRPr lang="en-GB" dirty="0"/>
           </a:p>
         </p:txBody>
       </p:sp>
@@ -2116,9 +2112,9 @@
           <a:p>
             <a:fld id="{3D6D3AB1-241C-4D35-9974-53C35A5AED3F}" type="datetime1">
               <a:rPr lang="fr-CH" smtClean="0"/>
-              <a:t>15.06.2017</a:t>
+              <a:t>16.06.2017</a:t>
             </a:fld>
-            <a:endParaRPr lang="en-GB"/>
+            <a:endParaRPr lang="en-GB" dirty="0"/>
           </a:p>
         </p:txBody>
       </p:sp>
@@ -2138,10 +2134,9 @@
           <a:lstStyle/>
           <a:p>
             <a:r>
-              <a:rPr lang="en-GB"/>
+              <a:rPr lang="en-GB" dirty="0"/>
               <a:t>APP CIIP - Projet d’approfondissement</a:t>
             </a:r>
-            <a:endParaRPr lang="en-GB"/>
           </a:p>
         </p:txBody>
       </p:sp>
@@ -2164,7 +2159,7 @@
               <a:rPr lang="en-GB" smtClean="0"/>
               <a:t>‹N°›</a:t>
             </a:fld>
-            <a:endParaRPr lang="en-GB"/>
+            <a:endParaRPr lang="en-GB" dirty="0"/>
           </a:p>
         </p:txBody>
       </p:sp>
@@ -2215,9 +2210,9 @@
           <a:p>
             <a:fld id="{99108079-C6F6-40DA-AF0E-2C038FF30F8B}" type="datetime1">
               <a:rPr lang="fr-CH" smtClean="0"/>
-              <a:t>15.06.2017</a:t>
+              <a:t>16.06.2017</a:t>
             </a:fld>
-            <a:endParaRPr lang="en-GB"/>
+            <a:endParaRPr lang="en-GB" dirty="0"/>
           </a:p>
         </p:txBody>
       </p:sp>
@@ -2237,10 +2232,9 @@
           <a:lstStyle/>
           <a:p>
             <a:r>
-              <a:rPr lang="en-GB"/>
+              <a:rPr lang="en-GB" dirty="0"/>
               <a:t>APP CIIP - Projet d’approfondissement</a:t>
             </a:r>
-            <a:endParaRPr lang="en-GB"/>
           </a:p>
         </p:txBody>
       </p:sp>
@@ -2263,7 +2257,7 @@
               <a:rPr lang="en-GB" smtClean="0"/>
               <a:t>‹N°›</a:t>
             </a:fld>
-            <a:endParaRPr lang="en-GB"/>
+            <a:endParaRPr lang="en-GB" dirty="0"/>
           </a:p>
         </p:txBody>
       </p:sp>
@@ -2496,9 +2490,9 @@
           <a:p>
             <a:fld id="{784225A6-90B3-4098-9F10-5ED8DE502780}" type="datetime1">
               <a:rPr lang="fr-CH" smtClean="0"/>
-              <a:t>15.06.2017</a:t>
+              <a:t>16.06.2017</a:t>
             </a:fld>
-            <a:endParaRPr lang="en-GB"/>
+            <a:endParaRPr lang="en-GB" dirty="0"/>
           </a:p>
         </p:txBody>
       </p:sp>
@@ -2518,10 +2512,9 @@
           <a:lstStyle/>
           <a:p>
             <a:r>
-              <a:rPr lang="en-GB"/>
+              <a:rPr lang="en-GB" dirty="0"/>
               <a:t>APP CIIP - Projet d’approfondissement</a:t>
             </a:r>
-            <a:endParaRPr lang="en-GB"/>
           </a:p>
         </p:txBody>
       </p:sp>
@@ -2544,7 +2537,7 @@
               <a:rPr lang="en-GB" smtClean="0"/>
               <a:t>‹N°›</a:t>
             </a:fld>
-            <a:endParaRPr lang="en-GB"/>
+            <a:endParaRPr lang="en-GB" dirty="0"/>
           </a:p>
         </p:txBody>
       </p:sp>
@@ -2667,7 +2660,7 @@
             </a:lvl9pPr>
           </a:lstStyle>
           <a:p>
-            <a:endParaRPr lang="en-GB"/>
+            <a:endParaRPr lang="en-GB" dirty="0"/>
           </a:p>
         </p:txBody>
       </p:sp>
@@ -2753,9 +2746,9 @@
           <a:p>
             <a:fld id="{ACEAD46A-B266-4E76-B945-06A39B8BFB36}" type="datetime1">
               <a:rPr lang="fr-CH" smtClean="0"/>
-              <a:t>15.06.2017</a:t>
+              <a:t>16.06.2017</a:t>
             </a:fld>
-            <a:endParaRPr lang="en-GB"/>
+            <a:endParaRPr lang="en-GB" dirty="0"/>
           </a:p>
         </p:txBody>
       </p:sp>
@@ -2775,10 +2768,9 @@
           <a:lstStyle/>
           <a:p>
             <a:r>
-              <a:rPr lang="en-GB"/>
+              <a:rPr lang="en-GB" dirty="0"/>
               <a:t>APP CIIP - Projet d’approfondissement</a:t>
             </a:r>
-            <a:endParaRPr lang="en-GB"/>
           </a:p>
         </p:txBody>
       </p:sp>
@@ -2801,7 +2793,7 @@
               <a:rPr lang="en-GB" smtClean="0"/>
               <a:t>‹N°›</a:t>
             </a:fld>
-            <a:endParaRPr lang="en-GB"/>
+            <a:endParaRPr lang="en-GB" dirty="0"/>
           </a:p>
         </p:txBody>
       </p:sp>
@@ -2970,9 +2962,9 @@
           <a:p>
             <a:fld id="{CE0E9A94-292D-4D64-AAC0-E1374BA5D1D1}" type="datetime1">
               <a:rPr lang="fr-CH" smtClean="0"/>
-              <a:t>15.06.2017</a:t>
+              <a:t>16.06.2017</a:t>
             </a:fld>
-            <a:endParaRPr lang="en-GB"/>
+            <a:endParaRPr lang="en-GB" dirty="0"/>
           </a:p>
         </p:txBody>
       </p:sp>
@@ -3010,10 +3002,9 @@
           </a:lstStyle>
           <a:p>
             <a:r>
-              <a:rPr lang="en-GB"/>
+              <a:rPr lang="en-GB" dirty="0"/>
               <a:t>APP CIIP - Projet d’approfondissement</a:t>
             </a:r>
-            <a:endParaRPr lang="en-GB"/>
           </a:p>
         </p:txBody>
       </p:sp>
@@ -3054,7 +3045,7 @@
               <a:rPr lang="en-GB" smtClean="0"/>
               <a:t>‹N°›</a:t>
             </a:fld>
-            <a:endParaRPr lang="en-GB"/>
+            <a:endParaRPr lang="en-GB" dirty="0"/>
           </a:p>
         </p:txBody>
       </p:sp>
@@ -3393,7 +3384,7 @@
         <p:spPr>
           <a:xfrm>
             <a:off x="1524000" y="2290312"/>
-            <a:ext cx="9144000" cy="2387600"/>
+            <a:ext cx="9144000" cy="2211350"/>
           </a:xfrm>
         </p:spPr>
         <p:txBody>
@@ -3519,25 +3510,7 @@
               <a:rPr lang="en-GB" sz="1200" dirty="0">
                 <a:latin typeface="Frutiger LT Pro 45 Light" panose="020B0403030504020204" pitchFamily="34" charset="0"/>
               </a:rPr>
-              <a:t>Défense du </a:t>
-            </a:r>
-            <a:r>
-              <a:rPr lang="en-GB" sz="1200" dirty="0" err="1">
-                <a:latin typeface="Frutiger LT Pro 45 Light" panose="020B0403030504020204" pitchFamily="34" charset="0"/>
-              </a:rPr>
-              <a:t>projet</a:t>
-            </a:r>
-            <a:r>
-              <a:rPr lang="en-GB" sz="1200" dirty="0">
-                <a:latin typeface="Frutiger LT Pro 45 Light" panose="020B0403030504020204" pitchFamily="34" charset="0"/>
-              </a:rPr>
-              <a:t> </a:t>
-            </a:r>
-            <a:r>
-              <a:rPr lang="en-GB" sz="1200" dirty="0" err="1">
-                <a:latin typeface="Frutiger LT Pro 45 Light" panose="020B0403030504020204" pitchFamily="34" charset="0"/>
-              </a:rPr>
-              <a:t>d’approfondissement</a:t>
+              <a:t>Défense du projet d’approfondissement</a:t>
             </a:r>
             <a:br>
               <a:rPr lang="en-GB" sz="1200" dirty="0">
@@ -3607,7 +3580,7 @@
               <a:rPr lang="fr-CH" sz="1400" dirty="0">
                 <a:latin typeface="Frutiger LT Pro 45 Light" panose="020B0403030504020204" pitchFamily="34" charset="0"/>
               </a:rPr>
-              <a:t>Gaël </a:t>
+              <a:t>Gaël Teguia </a:t>
             </a:r>
             <a:r>
               <a:rPr lang="fr-CH" sz="1400" dirty="0" err="1">
@@ -3621,15 +3594,6 @@
               </a:rPr>
               <a:t> </a:t>
             </a:r>
-            <a:r>
-              <a:rPr lang="fr-CH" sz="1400" dirty="0" err="1">
-                <a:latin typeface="Frutiger LT Pro 45 Light" panose="020B0403030504020204" pitchFamily="34" charset="0"/>
-              </a:rPr>
-              <a:t>Teguia</a:t>
-            </a:r>
-            <a:endParaRPr lang="fr-CH" sz="1400" dirty="0">
-              <a:latin typeface="Frutiger LT Pro 45 Light" panose="020B0403030504020204" pitchFamily="34" charset="0"/>
-            </a:endParaRPr>
           </a:p>
           <a:p>
             <a:br>
@@ -3695,7 +3659,7 @@
         </p:blipFill>
         <p:spPr>
           <a:xfrm>
-            <a:off x="8992870" y="46673"/>
+            <a:off x="8992870" y="213727"/>
             <a:ext cx="1675130" cy="859790"/>
           </a:xfrm>
           <a:prstGeom prst="rect">
@@ -3725,8 +3689,8 @@
         </p:blipFill>
         <p:spPr>
           <a:xfrm>
-            <a:off x="1524000" y="5505793"/>
-            <a:ext cx="1133132" cy="1133132"/>
+            <a:off x="1524000" y="4501662"/>
+            <a:ext cx="1383849" cy="1383849"/>
           </a:xfrm>
           <a:prstGeom prst="rect">
             <a:avLst/>
@@ -3775,7 +3739,7 @@
         </p:nvSpPr>
         <p:spPr>
           <a:xfrm>
-            <a:off x="838200" y="1570771"/>
+            <a:off x="772647" y="1244014"/>
             <a:ext cx="3751385" cy="513006"/>
           </a:xfrm>
         </p:spPr>
@@ -3789,16 +3753,8 @@
               <a:rPr lang="fr-CH" sz="2400" dirty="0">
                 <a:latin typeface="Frutiger LT Pro 45 Light" panose="020B0403030504020204" pitchFamily="34" charset="0"/>
               </a:rPr>
-              <a:t>Base de données relationnelle</a:t>
-            </a:r>
-            <a:br>
-              <a:rPr lang="fr-CH" sz="2400" dirty="0">
-                <a:latin typeface="Frutiger LT Pro 45 Light" panose="020B0403030504020204" pitchFamily="34" charset="0"/>
-              </a:rPr>
-            </a:br>
-            <a:endParaRPr lang="fr-CH" sz="2400" dirty="0">
-              <a:latin typeface="Frutiger LT Pro 45 Light" panose="020B0403030504020204" pitchFamily="34" charset="0"/>
-            </a:endParaRPr>
+              <a:t>Démo</a:t>
+            </a:r>
           </a:p>
         </p:txBody>
       </p:sp>
@@ -3885,7 +3841,7 @@
         </p:blipFill>
         <p:spPr>
           <a:xfrm>
-            <a:off x="8992870" y="46673"/>
+            <a:off x="9001662" y="213678"/>
             <a:ext cx="1675130" cy="859790"/>
           </a:xfrm>
           <a:prstGeom prst="rect">
@@ -3912,7 +3868,7 @@
               <a:rPr lang="fr-CH" smtClean="0">
                 <a:latin typeface="Frutiger LT Pro 45 Light" panose="020B0403030504020204" pitchFamily="34" charset="0"/>
               </a:rPr>
-              <a:t>15.06.2017</a:t>
+              <a:t>16.06.2017</a:t>
             </a:fld>
             <a:endParaRPr lang="en-GB" dirty="0">
               <a:latin typeface="Frutiger LT Pro 45 Light" panose="020B0403030504020204" pitchFamily="34" charset="0"/>
@@ -3939,29 +3895,8 @@
               <a:rPr lang="en-GB" dirty="0">
                 <a:latin typeface="Frutiger LT Pro 45 Light" panose="020B0403030504020204" pitchFamily="34" charset="0"/>
               </a:rPr>
-              <a:t>APP CIIP - </a:t>
-            </a:r>
-            <a:r>
-              <a:rPr lang="en-GB" dirty="0" err="1">
-                <a:latin typeface="Frutiger LT Pro 45 Light" panose="020B0403030504020204" pitchFamily="34" charset="0"/>
-              </a:rPr>
-              <a:t>Projet</a:t>
-            </a:r>
-            <a:r>
-              <a:rPr lang="en-GB" dirty="0">
-                <a:latin typeface="Frutiger LT Pro 45 Light" panose="020B0403030504020204" pitchFamily="34" charset="0"/>
-              </a:rPr>
-              <a:t> </a:t>
-            </a:r>
-            <a:r>
-              <a:rPr lang="en-GB" dirty="0" err="1">
-                <a:latin typeface="Frutiger LT Pro 45 Light" panose="020B0403030504020204" pitchFamily="34" charset="0"/>
-              </a:rPr>
-              <a:t>d’approfondissement</a:t>
-            </a:r>
-            <a:endParaRPr lang="en-GB" dirty="0">
-              <a:latin typeface="Frutiger LT Pro 45 Light" panose="020B0403030504020204" pitchFamily="34" charset="0"/>
-            </a:endParaRPr>
+              <a:t>APP CIIP - Projet d’approfondissement</a:t>
+            </a:r>
           </a:p>
         </p:txBody>
       </p:sp>
@@ -3999,7 +3934,7 @@
           <p:nvPr/>
         </p:nvPicPr>
         <p:blipFill>
-          <a:blip r:embed="rId4">
+          <a:blip r:embed="rId4" cstate="print">
             <a:extLst>
               <a:ext uri="{28A0092B-C50C-407E-A947-70E740481C1C}">
                 <a14:useLocalDpi xmlns:a14="http://schemas.microsoft.com/office/drawing/2010/main" val="0"/>
@@ -4012,8 +3947,8 @@
         </p:blipFill>
         <p:spPr>
           <a:xfrm>
-            <a:off x="4821555" y="1311141"/>
-            <a:ext cx="5846445" cy="4253865"/>
+            <a:off x="4806266" y="832034"/>
+            <a:ext cx="2879090" cy="5212080"/>
           </a:xfrm>
           <a:prstGeom prst="rect">
             <a:avLst/>
@@ -4023,7 +3958,7 @@
     </p:spTree>
     <p:extLst>
       <p:ext uri="{BB962C8B-B14F-4D97-AF65-F5344CB8AC3E}">
-        <p14:creationId xmlns:p14="http://schemas.microsoft.com/office/powerpoint/2010/main" val="4247816206"/>
+        <p14:creationId xmlns:p14="http://schemas.microsoft.com/office/powerpoint/2010/main" val="1363689894"/>
       </p:ext>
     </p:extLst>
   </p:cSld>
@@ -4062,8 +3997,8 @@
         </p:nvSpPr>
         <p:spPr>
           <a:xfrm>
-            <a:off x="838200" y="1570771"/>
-            <a:ext cx="3751385" cy="513006"/>
+            <a:off x="2123051" y="1138704"/>
+            <a:ext cx="4955930" cy="513006"/>
           </a:xfrm>
         </p:spPr>
         <p:txBody>
@@ -4076,8 +4011,16 @@
               <a:rPr lang="fr-CH" sz="2400" dirty="0">
                 <a:latin typeface="Frutiger LT Pro 45 Light" panose="020B0403030504020204" pitchFamily="34" charset="0"/>
               </a:rPr>
-              <a:t>Diagramme de classe</a:t>
-            </a:r>
+              <a:t>Prolongement et améliorations</a:t>
+            </a:r>
+            <a:br>
+              <a:rPr lang="fr-CH" sz="2400" dirty="0">
+                <a:latin typeface="Frutiger LT Pro 45 Light" panose="020B0403030504020204" pitchFamily="34" charset="0"/>
+              </a:rPr>
+            </a:br>
+            <a:endParaRPr lang="fr-CH" sz="2400" dirty="0">
+              <a:latin typeface="Frutiger LT Pro 45 Light" panose="020B0403030504020204" pitchFamily="34" charset="0"/>
+            </a:endParaRPr>
           </a:p>
         </p:txBody>
       </p:sp>
@@ -4093,13 +4036,13 @@
         </p:nvSpPr>
         <p:spPr>
           <a:xfrm>
-            <a:off x="5196255" y="1370356"/>
-            <a:ext cx="5392615" cy="4135437"/>
+            <a:off x="3489961" y="1651710"/>
+            <a:ext cx="7178040" cy="4135437"/>
           </a:xfrm>
         </p:spPr>
         <p:txBody>
           <a:bodyPr>
-            <a:normAutofit/>
+            <a:normAutofit fontScale="92500" lnSpcReduction="20000"/>
           </a:bodyPr>
           <a:lstStyle/>
           <a:p>
@@ -4110,7 +4053,166 @@
               <a:buFont typeface="Arial" panose="020B0604020202020204" pitchFamily="34" charset="0"/>
               <a:buChar char="•"/>
             </a:pPr>
-            <a:endParaRPr lang="en-GB" sz="2000" dirty="0">
+            <a:r>
+              <a:rPr lang="fr-CH" sz="1800" dirty="0">
+                <a:latin typeface="Frutiger LT Pro 45 Light" panose="020B0403030504020204" pitchFamily="34" charset="0"/>
+              </a:rPr>
+              <a:t>Terminer les primitives CRUD</a:t>
+            </a:r>
+          </a:p>
+          <a:p>
+            <a:pPr marL="342900" indent="-342900" algn="l">
+              <a:lnSpc>
+                <a:spcPct val="150000"/>
+              </a:lnSpc>
+              <a:buFont typeface="Arial" panose="020B0604020202020204" pitchFamily="34" charset="0"/>
+              <a:buChar char="•"/>
+            </a:pPr>
+            <a:r>
+              <a:rPr lang="fr-CH" sz="1800" dirty="0">
+                <a:latin typeface="Frutiger LT Pro 45 Light" panose="020B0403030504020204" pitchFamily="34" charset="0"/>
+              </a:rPr>
+              <a:t>Introduire les profils utilisateurs</a:t>
+            </a:r>
+          </a:p>
+          <a:p>
+            <a:pPr marL="800100" lvl="1" indent="-342900" algn="l">
+              <a:lnSpc>
+                <a:spcPct val="150000"/>
+              </a:lnSpc>
+              <a:buFont typeface="Arial" panose="020B0604020202020204" pitchFamily="34" charset="0"/>
+              <a:buChar char="•"/>
+            </a:pPr>
+            <a:r>
+              <a:rPr lang="fr-CH" sz="1400" dirty="0">
+                <a:latin typeface="Frutiger LT Pro 45 Light" panose="020B0403030504020204" pitchFamily="34" charset="0"/>
+              </a:rPr>
+              <a:t>Gestion du serveur</a:t>
+            </a:r>
+          </a:p>
+          <a:p>
+            <a:pPr marL="800100" lvl="1" indent="-342900" algn="l">
+              <a:lnSpc>
+                <a:spcPct val="150000"/>
+              </a:lnSpc>
+              <a:buFont typeface="Arial" panose="020B0604020202020204" pitchFamily="34" charset="0"/>
+              <a:buChar char="•"/>
+            </a:pPr>
+            <a:r>
+              <a:rPr lang="fr-CH" sz="1400" dirty="0">
+                <a:latin typeface="Frutiger LT Pro 45 Light" panose="020B0403030504020204" pitchFamily="34" charset="0"/>
+              </a:rPr>
+              <a:t>Prolongement des fonctionnalités</a:t>
+            </a:r>
+          </a:p>
+          <a:p>
+            <a:pPr marL="342900" indent="-342900" algn="l">
+              <a:lnSpc>
+                <a:spcPct val="150000"/>
+              </a:lnSpc>
+              <a:buFont typeface="Arial" panose="020B0604020202020204" pitchFamily="34" charset="0"/>
+              <a:buChar char="•"/>
+            </a:pPr>
+            <a:r>
+              <a:rPr lang="fr-CH" sz="1800" dirty="0">
+                <a:latin typeface="Frutiger LT Pro 45 Light" panose="020B0403030504020204" pitchFamily="34" charset="0"/>
+              </a:rPr>
+              <a:t>Amélioration des interfaces</a:t>
+            </a:r>
+          </a:p>
+          <a:p>
+            <a:pPr marL="342900" indent="-342900" algn="l">
+              <a:lnSpc>
+                <a:spcPct val="150000"/>
+              </a:lnSpc>
+              <a:buFont typeface="Arial" panose="020B0604020202020204" pitchFamily="34" charset="0"/>
+              <a:buChar char="•"/>
+            </a:pPr>
+            <a:r>
+              <a:rPr lang="fr-CH" sz="1800" dirty="0">
+                <a:latin typeface="Frutiger LT Pro 45 Light" panose="020B0403030504020204" pitchFamily="34" charset="0"/>
+              </a:rPr>
+              <a:t>Machine Learning &amp; Data retrieval : </a:t>
+            </a:r>
+            <a:r>
+              <a:rPr lang="fr-CH" sz="1400" dirty="0">
+                <a:latin typeface="Frutiger LT Pro 45 Light" panose="020B0403030504020204" pitchFamily="34" charset="0"/>
+              </a:rPr>
+              <a:t>suggestions intelligentes</a:t>
+            </a:r>
+          </a:p>
+          <a:p>
+            <a:pPr marL="342900" indent="-342900" algn="l">
+              <a:lnSpc>
+                <a:spcPct val="150000"/>
+              </a:lnSpc>
+              <a:buFont typeface="Arial" panose="020B0604020202020204" pitchFamily="34" charset="0"/>
+              <a:buChar char="•"/>
+            </a:pPr>
+            <a:r>
+              <a:rPr lang="fr-CH" sz="1800" dirty="0">
+                <a:latin typeface="Frutiger LT Pro 45 Light" panose="020B0403030504020204" pitchFamily="34" charset="0"/>
+              </a:rPr>
+              <a:t>Possibilité d’introduction directe dans les calendriers des utilisateurs  </a:t>
+            </a:r>
+          </a:p>
+          <a:p>
+            <a:pPr marL="342900" indent="-342900" algn="l">
+              <a:lnSpc>
+                <a:spcPct val="150000"/>
+              </a:lnSpc>
+              <a:buFont typeface="Arial" panose="020B0604020202020204" pitchFamily="34" charset="0"/>
+              <a:buChar char="•"/>
+            </a:pPr>
+            <a:r>
+              <a:rPr lang="fr-CH" sz="1800" dirty="0">
+                <a:latin typeface="Frutiger LT Pro 45 Light" panose="020B0403030504020204" pitchFamily="34" charset="0"/>
+              </a:rPr>
+              <a:t>Déploiement</a:t>
+            </a:r>
+          </a:p>
+          <a:p>
+            <a:pPr marL="800100" lvl="1" indent="-342900" algn="l">
+              <a:lnSpc>
+                <a:spcPct val="150000"/>
+              </a:lnSpc>
+              <a:buFont typeface="Arial" panose="020B0604020202020204" pitchFamily="34" charset="0"/>
+              <a:buChar char="•"/>
+            </a:pPr>
+            <a:r>
+              <a:rPr lang="fr-CH" sz="1400" dirty="0">
+                <a:latin typeface="Frutiger LT Pro 45 Light" panose="020B0403030504020204" pitchFamily="34" charset="0"/>
+              </a:rPr>
+              <a:t>Serveur REST</a:t>
+            </a:r>
+          </a:p>
+          <a:p>
+            <a:pPr marL="800100" lvl="1" indent="-342900" algn="l">
+              <a:lnSpc>
+                <a:spcPct val="150000"/>
+              </a:lnSpc>
+              <a:buFont typeface="Arial" panose="020B0604020202020204" pitchFamily="34" charset="0"/>
+              <a:buChar char="•"/>
+            </a:pPr>
+            <a:r>
+              <a:rPr lang="fr-CH" sz="1400" dirty="0">
+                <a:latin typeface="Frutiger LT Pro 45 Light" panose="020B0403030504020204" pitchFamily="34" charset="0"/>
+              </a:rPr>
+              <a:t>Application Android</a:t>
+            </a:r>
+            <a:endParaRPr lang="en-GB" sz="1400" dirty="0">
+              <a:latin typeface="Frutiger LT Pro 45 Light" panose="020B0403030504020204" pitchFamily="34" charset="0"/>
+            </a:endParaRPr>
+          </a:p>
+          <a:p>
+            <a:pPr marL="342900" indent="-342900" algn="l">
+              <a:lnSpc>
+                <a:spcPct val="150000"/>
+              </a:lnSpc>
+              <a:buFont typeface="Arial" panose="020B0604020202020204" pitchFamily="34" charset="0"/>
+              <a:buChar char="•"/>
+            </a:pPr>
+            <a:endParaRPr lang="en-GB" sz="1800" dirty="0">
               <a:latin typeface="Frutiger LT Pro 45 Light" panose="020B0403030504020204" pitchFamily="34" charset="0"/>
             </a:endParaRPr>
           </a:p>
@@ -4164,7 +4266,7 @@
         </p:blipFill>
         <p:spPr>
           <a:xfrm>
-            <a:off x="8992870" y="46673"/>
+            <a:off x="8904947" y="213678"/>
             <a:ext cx="1675130" cy="859790"/>
           </a:xfrm>
           <a:prstGeom prst="rect">
@@ -4191,7 +4293,7 @@
               <a:rPr lang="fr-CH" smtClean="0">
                 <a:latin typeface="Frutiger LT Pro 45 Light" panose="020B0403030504020204" pitchFamily="34" charset="0"/>
               </a:rPr>
-              <a:t>15.06.2017</a:t>
+              <a:t>16.06.2017</a:t>
             </a:fld>
             <a:endParaRPr lang="en-GB" dirty="0">
               <a:latin typeface="Frutiger LT Pro 45 Light" panose="020B0403030504020204" pitchFamily="34" charset="0"/>
@@ -4218,29 +4320,8 @@
               <a:rPr lang="en-GB" dirty="0">
                 <a:latin typeface="Frutiger LT Pro 45 Light" panose="020B0403030504020204" pitchFamily="34" charset="0"/>
               </a:rPr>
-              <a:t>APP CIIP - </a:t>
-            </a:r>
-            <a:r>
-              <a:rPr lang="en-GB" dirty="0" err="1">
-                <a:latin typeface="Frutiger LT Pro 45 Light" panose="020B0403030504020204" pitchFamily="34" charset="0"/>
-              </a:rPr>
-              <a:t>Projet</a:t>
-            </a:r>
-            <a:r>
-              <a:rPr lang="en-GB" dirty="0">
-                <a:latin typeface="Frutiger LT Pro 45 Light" panose="020B0403030504020204" pitchFamily="34" charset="0"/>
-              </a:rPr>
-              <a:t> </a:t>
-            </a:r>
-            <a:r>
-              <a:rPr lang="en-GB" dirty="0" err="1">
-                <a:latin typeface="Frutiger LT Pro 45 Light" panose="020B0403030504020204" pitchFamily="34" charset="0"/>
-              </a:rPr>
-              <a:t>d’approfondissement</a:t>
-            </a:r>
-            <a:endParaRPr lang="en-GB" dirty="0">
-              <a:latin typeface="Frutiger LT Pro 45 Light" panose="020B0403030504020204" pitchFamily="34" charset="0"/>
-            </a:endParaRPr>
+              <a:t>APP CIIP - Projet d’approfondissement</a:t>
+            </a:r>
           </a:p>
         </p:txBody>
       </p:sp>
@@ -4271,38 +4352,10 @@
           </a:p>
         </p:txBody>
       </p:sp>
-      <p:pic>
-        <p:nvPicPr>
-          <p:cNvPr id="11" name="Image 10"/>
-          <p:cNvPicPr/>
-          <p:nvPr/>
-        </p:nvPicPr>
-        <p:blipFill>
-          <a:blip r:embed="rId4">
-            <a:extLst>
-              <a:ext uri="{28A0092B-C50C-407E-A947-70E740481C1C}">
-                <a14:useLocalDpi xmlns:a14="http://schemas.microsoft.com/office/drawing/2010/main" val="0"/>
-              </a:ext>
-            </a:extLst>
-          </a:blip>
-          <a:stretch>
-            <a:fillRect/>
-          </a:stretch>
-        </p:blipFill>
-        <p:spPr>
-          <a:xfrm>
-            <a:off x="5012201" y="1290637"/>
-            <a:ext cx="6027273" cy="4443413"/>
-          </a:xfrm>
-          <a:prstGeom prst="rect">
-            <a:avLst/>
-          </a:prstGeom>
-        </p:spPr>
-      </p:pic>
     </p:spTree>
     <p:extLst>
       <p:ext uri="{BB962C8B-B14F-4D97-AF65-F5344CB8AC3E}">
-        <p14:creationId xmlns:p14="http://schemas.microsoft.com/office/powerpoint/2010/main" val="2503019416"/>
+        <p14:creationId xmlns:p14="http://schemas.microsoft.com/office/powerpoint/2010/main" val="2740418745"/>
       </p:ext>
     </p:extLst>
   </p:cSld>
@@ -4341,7 +4394,7 @@
         </p:nvSpPr>
         <p:spPr>
           <a:xfrm>
-            <a:off x="772647" y="1244014"/>
+            <a:off x="1374531" y="960232"/>
             <a:ext cx="3751385" cy="513006"/>
           </a:xfrm>
         </p:spPr>
@@ -4355,7 +4408,7 @@
               <a:rPr lang="fr-CH" sz="2400" dirty="0">
                 <a:latin typeface="Frutiger LT Pro 45 Light" panose="020B0403030504020204" pitchFamily="34" charset="0"/>
               </a:rPr>
-              <a:t>Démo</a:t>
+              <a:t>Conclusion</a:t>
             </a:r>
           </a:p>
         </p:txBody>
@@ -4372,15 +4425,165 @@
         </p:nvSpPr>
         <p:spPr>
           <a:xfrm>
-            <a:off x="5196255" y="1370356"/>
-            <a:ext cx="5392615" cy="4135437"/>
+            <a:off x="3581401" y="1370356"/>
+            <a:ext cx="7007470" cy="4419219"/>
           </a:xfrm>
         </p:spPr>
         <p:txBody>
           <a:bodyPr>
-            <a:normAutofit/>
+            <a:normAutofit fontScale="85000" lnSpcReduction="10000"/>
           </a:bodyPr>
           <a:lstStyle/>
+          <a:p>
+            <a:pPr marL="342900" indent="-342900" algn="l">
+              <a:lnSpc>
+                <a:spcPct val="150000"/>
+              </a:lnSpc>
+              <a:buFont typeface="Arial" panose="020B0604020202020204" pitchFamily="34" charset="0"/>
+              <a:buChar char="•"/>
+            </a:pPr>
+            <a:endParaRPr lang="fr-CH" sz="2000" dirty="0">
+              <a:latin typeface="Frutiger LT Pro 45 Light" panose="020B0403030504020204" pitchFamily="34" charset="0"/>
+            </a:endParaRPr>
+          </a:p>
+          <a:p>
+            <a:pPr marL="342900" indent="-342900" algn="l">
+              <a:lnSpc>
+                <a:spcPct val="150000"/>
+              </a:lnSpc>
+              <a:buFont typeface="Arial" panose="020B0604020202020204" pitchFamily="34" charset="0"/>
+              <a:buChar char="•"/>
+            </a:pPr>
+            <a:r>
+              <a:rPr lang="fr-CH" sz="2000" dirty="0">
+                <a:latin typeface="Frutiger LT Pro 45 Light" panose="020B0403030504020204" pitchFamily="34" charset="0"/>
+              </a:rPr>
+              <a:t>Mise en œuvre des notions de gestion de projet</a:t>
+            </a:r>
+          </a:p>
+          <a:p>
+            <a:pPr marL="800100" lvl="1" indent="-342900" algn="l">
+              <a:lnSpc>
+                <a:spcPct val="150000"/>
+              </a:lnSpc>
+              <a:buFont typeface="Arial" panose="020B0604020202020204" pitchFamily="34" charset="0"/>
+              <a:buChar char="•"/>
+            </a:pPr>
+            <a:r>
+              <a:rPr lang="fr-CH" sz="1600" dirty="0">
+                <a:latin typeface="Frutiger LT Pro 45 Light" panose="020B0403030504020204" pitchFamily="34" charset="0"/>
+              </a:rPr>
+              <a:t>Analyse et conception</a:t>
+            </a:r>
+          </a:p>
+          <a:p>
+            <a:pPr marL="800100" lvl="1" indent="-342900" algn="l">
+              <a:lnSpc>
+                <a:spcPct val="150000"/>
+              </a:lnSpc>
+              <a:buFont typeface="Arial" panose="020B0604020202020204" pitchFamily="34" charset="0"/>
+              <a:buChar char="•"/>
+            </a:pPr>
+            <a:r>
+              <a:rPr lang="fr-CH" sz="1600" dirty="0">
+                <a:latin typeface="Frutiger LT Pro 45 Light" panose="020B0403030504020204" pitchFamily="34" charset="0"/>
+              </a:rPr>
+              <a:t>Gestion du temps et des contraintes</a:t>
+            </a:r>
+          </a:p>
+          <a:p>
+            <a:pPr marL="800100" lvl="1" indent="-342900" algn="l">
+              <a:lnSpc>
+                <a:spcPct val="150000"/>
+              </a:lnSpc>
+              <a:buFont typeface="Arial" panose="020B0604020202020204" pitchFamily="34" charset="0"/>
+              <a:buChar char="•"/>
+            </a:pPr>
+            <a:r>
+              <a:rPr lang="fr-CH" sz="1600" dirty="0">
+                <a:latin typeface="Frutiger LT Pro 45 Light" panose="020B0403030504020204" pitchFamily="34" charset="0"/>
+              </a:rPr>
+              <a:t>Agilité, modèle incrémental itératif</a:t>
+            </a:r>
+          </a:p>
+          <a:p>
+            <a:pPr marL="342900" indent="-342900" algn="l">
+              <a:lnSpc>
+                <a:spcPct val="150000"/>
+              </a:lnSpc>
+              <a:buFont typeface="Arial" panose="020B0604020202020204" pitchFamily="34" charset="0"/>
+              <a:buChar char="•"/>
+            </a:pPr>
+            <a:r>
+              <a:rPr lang="fr-CH" sz="2000" dirty="0">
+                <a:latin typeface="Frutiger LT Pro 45 Light" panose="020B0403030504020204" pitchFamily="34" charset="0"/>
+              </a:rPr>
+              <a:t>Travail sur un cas concret</a:t>
+            </a:r>
+          </a:p>
+          <a:p>
+            <a:pPr marL="342900" indent="-342900" algn="l">
+              <a:lnSpc>
+                <a:spcPct val="150000"/>
+              </a:lnSpc>
+              <a:buFont typeface="Arial" panose="020B0604020202020204" pitchFamily="34" charset="0"/>
+              <a:buChar char="•"/>
+            </a:pPr>
+            <a:r>
+              <a:rPr lang="fr-CH" sz="2000" dirty="0">
+                <a:latin typeface="Frutiger LT Pro 45 Light" panose="020B0403030504020204" pitchFamily="34" charset="0"/>
+              </a:rPr>
+              <a:t>Amélioration des connaissances en ingénierie logicielle</a:t>
+            </a:r>
+          </a:p>
+          <a:p>
+            <a:pPr marL="800100" lvl="1" indent="-342900" algn="l">
+              <a:lnSpc>
+                <a:spcPct val="150000"/>
+              </a:lnSpc>
+              <a:buFont typeface="Arial" panose="020B0604020202020204" pitchFamily="34" charset="0"/>
+              <a:buChar char="•"/>
+            </a:pPr>
+            <a:r>
+              <a:rPr lang="fr-CH" sz="1600" dirty="0">
+                <a:latin typeface="Frutiger LT Pro 45 Light" panose="020B0403030504020204" pitchFamily="34" charset="0"/>
+              </a:rPr>
+              <a:t>Rédaction de codes faciles à maintenir et à faire évoluer</a:t>
+            </a:r>
+          </a:p>
+          <a:p>
+            <a:pPr marL="342900" indent="-342900" algn="l">
+              <a:lnSpc>
+                <a:spcPct val="150000"/>
+              </a:lnSpc>
+              <a:buFont typeface="Arial" panose="020B0604020202020204" pitchFamily="34" charset="0"/>
+              <a:buChar char="•"/>
+            </a:pPr>
+            <a:r>
+              <a:rPr lang="fr-CH" sz="2000" dirty="0">
+                <a:latin typeface="Frutiger LT Pro 45 Light" panose="020B0403030504020204" pitchFamily="34" charset="0"/>
+              </a:rPr>
+              <a:t>Amélioration des connaissances en développement mobile</a:t>
+            </a:r>
+          </a:p>
+          <a:p>
+            <a:pPr marL="342900" indent="-342900" algn="l">
+              <a:lnSpc>
+                <a:spcPct val="150000"/>
+              </a:lnSpc>
+              <a:buFont typeface="Arial" panose="020B0604020202020204" pitchFamily="34" charset="0"/>
+              <a:buChar char="•"/>
+            </a:pPr>
+            <a:r>
+              <a:rPr lang="fr-CH" sz="2000" dirty="0">
+                <a:latin typeface="Frutiger LT Pro 45 Light" panose="020B0403030504020204" pitchFamily="34" charset="0"/>
+              </a:rPr>
+              <a:t>Détermination de perspectives =&gt; Thèse de Master</a:t>
+            </a:r>
+            <a:endParaRPr lang="en-GB" sz="2000" dirty="0">
+              <a:latin typeface="Frutiger LT Pro 45 Light" panose="020B0403030504020204" pitchFamily="34" charset="0"/>
+            </a:endParaRPr>
+          </a:p>
           <a:p>
             <a:pPr marL="342900" indent="-342900" algn="l">
               <a:lnSpc>
@@ -4443,7 +4646,7 @@
         </p:blipFill>
         <p:spPr>
           <a:xfrm>
-            <a:off x="8992870" y="46673"/>
+            <a:off x="8913741" y="213678"/>
             <a:ext cx="1675130" cy="859790"/>
           </a:xfrm>
           <a:prstGeom prst="rect">
@@ -4470,7 +4673,7 @@
               <a:rPr lang="fr-CH" smtClean="0">
                 <a:latin typeface="Frutiger LT Pro 45 Light" panose="020B0403030504020204" pitchFamily="34" charset="0"/>
               </a:rPr>
-              <a:t>15.06.2017</a:t>
+              <a:t>16.06.2017</a:t>
             </a:fld>
             <a:endParaRPr lang="en-GB" dirty="0">
               <a:latin typeface="Frutiger LT Pro 45 Light" panose="020B0403030504020204" pitchFamily="34" charset="0"/>
@@ -4497,29 +4700,8 @@
               <a:rPr lang="en-GB" dirty="0">
                 <a:latin typeface="Frutiger LT Pro 45 Light" panose="020B0403030504020204" pitchFamily="34" charset="0"/>
               </a:rPr>
-              <a:t>APP CIIP - </a:t>
-            </a:r>
-            <a:r>
-              <a:rPr lang="en-GB" dirty="0" err="1">
-                <a:latin typeface="Frutiger LT Pro 45 Light" panose="020B0403030504020204" pitchFamily="34" charset="0"/>
-              </a:rPr>
-              <a:t>Projet</a:t>
-            </a:r>
-            <a:r>
-              <a:rPr lang="en-GB" dirty="0">
-                <a:latin typeface="Frutiger LT Pro 45 Light" panose="020B0403030504020204" pitchFamily="34" charset="0"/>
-              </a:rPr>
-              <a:t> </a:t>
-            </a:r>
-            <a:r>
-              <a:rPr lang="en-GB" dirty="0" err="1">
-                <a:latin typeface="Frutiger LT Pro 45 Light" panose="020B0403030504020204" pitchFamily="34" charset="0"/>
-              </a:rPr>
-              <a:t>d’approfondissement</a:t>
-            </a:r>
-            <a:endParaRPr lang="en-GB" dirty="0">
-              <a:latin typeface="Frutiger LT Pro 45 Light" panose="020B0403030504020204" pitchFamily="34" charset="0"/>
-            </a:endParaRPr>
+              <a:t>APP CIIP - Projet d’approfondissement</a:t>
+            </a:r>
           </a:p>
         </p:txBody>
       </p:sp>
@@ -4550,38 +4732,10 @@
           </a:p>
         </p:txBody>
       </p:sp>
-      <p:pic>
-        <p:nvPicPr>
-          <p:cNvPr id="10" name="Image 9"/>
-          <p:cNvPicPr/>
-          <p:nvPr/>
-        </p:nvPicPr>
-        <p:blipFill>
-          <a:blip r:embed="rId4" cstate="print">
-            <a:extLst>
-              <a:ext uri="{28A0092B-C50C-407E-A947-70E740481C1C}">
-                <a14:useLocalDpi xmlns:a14="http://schemas.microsoft.com/office/drawing/2010/main" val="0"/>
-              </a:ext>
-            </a:extLst>
-          </a:blip>
-          <a:stretch>
-            <a:fillRect/>
-          </a:stretch>
-        </p:blipFill>
-        <p:spPr>
-          <a:xfrm>
-            <a:off x="5777669" y="906463"/>
-            <a:ext cx="2879090" cy="5212080"/>
-          </a:xfrm>
-          <a:prstGeom prst="rect">
-            <a:avLst/>
-          </a:prstGeom>
-        </p:spPr>
-      </p:pic>
     </p:spTree>
     <p:extLst>
       <p:ext uri="{BB962C8B-B14F-4D97-AF65-F5344CB8AC3E}">
-        <p14:creationId xmlns:p14="http://schemas.microsoft.com/office/powerpoint/2010/main" val="1363689894"/>
+        <p14:creationId xmlns:p14="http://schemas.microsoft.com/office/powerpoint/2010/main" val="3387627377"/>
       </p:ext>
     </p:extLst>
   </p:cSld>
@@ -4620,8 +4774,8 @@
         </p:nvSpPr>
         <p:spPr>
           <a:xfrm>
-            <a:off x="838200" y="1757020"/>
-            <a:ext cx="3751385" cy="513006"/>
+            <a:off x="3950677" y="2714052"/>
+            <a:ext cx="4331677" cy="1066639"/>
           </a:xfrm>
         </p:spPr>
         <p:txBody>
@@ -4631,19 +4785,11 @@
           <a:lstStyle/>
           <a:p>
             <a:r>
-              <a:rPr lang="fr-CH" sz="2400" dirty="0">
-                <a:latin typeface="Frutiger LT Pro 45 Light" panose="020B0403030504020204" pitchFamily="34" charset="0"/>
-              </a:rPr>
-              <a:t>Prolongement et améliorations</a:t>
-            </a:r>
-            <a:br>
-              <a:rPr lang="fr-CH" sz="2400" dirty="0">
-                <a:latin typeface="Frutiger LT Pro 45 Light" panose="020B0403030504020204" pitchFamily="34" charset="0"/>
-              </a:rPr>
-            </a:br>
-            <a:endParaRPr lang="fr-CH" sz="2400" dirty="0">
-              <a:latin typeface="Frutiger LT Pro 45 Light" panose="020B0403030504020204" pitchFamily="34" charset="0"/>
-            </a:endParaRPr>
+              <a:rPr lang="fr-CH" sz="2800" dirty="0">
+                <a:latin typeface="Frutiger LT Pro 45 Light" panose="020B0403030504020204" pitchFamily="34" charset="0"/>
+              </a:rPr>
+              <a:t>Remarques &amp; Questions?</a:t>
+            </a:r>
           </a:p>
         </p:txBody>
       </p:sp>
@@ -4659,8 +4805,8 @@
         </p:nvSpPr>
         <p:spPr>
           <a:xfrm>
-            <a:off x="5275385" y="1651710"/>
-            <a:ext cx="5392615" cy="4135437"/>
+            <a:off x="1524001" y="1370357"/>
+            <a:ext cx="9064870" cy="959606"/>
           </a:xfrm>
         </p:spPr>
         <p:txBody>
@@ -4669,103 +4815,17 @@
           </a:bodyPr>
           <a:lstStyle/>
           <a:p>
-            <a:pPr marL="342900" indent="-342900" algn="l">
-              <a:lnSpc>
-                <a:spcPct val="150000"/>
-              </a:lnSpc>
-              <a:buFont typeface="Arial" panose="020B0604020202020204" pitchFamily="34" charset="0"/>
-              <a:buChar char="•"/>
+            <a:pPr algn="l">
+              <a:lnSpc>
+                <a:spcPct val="150000"/>
+              </a:lnSpc>
             </a:pPr>
             <a:r>
               <a:rPr lang="fr-CH" sz="2000" dirty="0">
                 <a:latin typeface="Frutiger LT Pro 45 Light" panose="020B0403030504020204" pitchFamily="34" charset="0"/>
               </a:rPr>
-              <a:t>Primitives CRUD</a:t>
-            </a:r>
-          </a:p>
-          <a:p>
-            <a:pPr marL="342900" indent="-342900" algn="l">
-              <a:lnSpc>
-                <a:spcPct val="150000"/>
-              </a:lnSpc>
-              <a:buFont typeface="Arial" panose="020B0604020202020204" pitchFamily="34" charset="0"/>
-              <a:buChar char="•"/>
-            </a:pPr>
-            <a:r>
-              <a:rPr lang="fr-CH" sz="2000" dirty="0">
-                <a:latin typeface="Frutiger LT Pro 45 Light" panose="020B0403030504020204" pitchFamily="34" charset="0"/>
-              </a:rPr>
-              <a:t>Profils utilisateurs</a:t>
-            </a:r>
-          </a:p>
-          <a:p>
-            <a:pPr marL="342900" indent="-342900" algn="l">
-              <a:lnSpc>
-                <a:spcPct val="150000"/>
-              </a:lnSpc>
-              <a:buFont typeface="Arial" panose="020B0604020202020204" pitchFamily="34" charset="0"/>
-              <a:buChar char="•"/>
-            </a:pPr>
-            <a:r>
-              <a:rPr lang="fr-CH" sz="2000" dirty="0">
-                <a:latin typeface="Frutiger LT Pro 45 Light" panose="020B0403030504020204" pitchFamily="34" charset="0"/>
-              </a:rPr>
-              <a:t>Amélioration des interfaces</a:t>
-            </a:r>
-          </a:p>
-          <a:p>
-            <a:pPr marL="342900" indent="-342900" algn="l">
-              <a:lnSpc>
-                <a:spcPct val="150000"/>
-              </a:lnSpc>
-              <a:buFont typeface="Arial" panose="020B0604020202020204" pitchFamily="34" charset="0"/>
-              <a:buChar char="•"/>
-            </a:pPr>
-            <a:r>
-              <a:rPr lang="fr-CH" sz="2000" b="1" dirty="0">
-                <a:latin typeface="Frutiger LT Pro 45 Light" panose="020B0403030504020204" pitchFamily="34" charset="0"/>
-              </a:rPr>
-              <a:t>Machine Learning &amp; Data </a:t>
-            </a:r>
-            <a:r>
-              <a:rPr lang="fr-CH" sz="2000" b="1" dirty="0" err="1">
-                <a:latin typeface="Frutiger LT Pro 45 Light" panose="020B0403030504020204" pitchFamily="34" charset="0"/>
-              </a:rPr>
-              <a:t>retrieval</a:t>
-            </a:r>
-            <a:r>
-              <a:rPr lang="fr-CH" sz="2000" b="1" dirty="0">
-                <a:latin typeface="Frutiger LT Pro 45 Light" panose="020B0403030504020204" pitchFamily="34" charset="0"/>
-              </a:rPr>
-              <a:t> </a:t>
-            </a:r>
-          </a:p>
-          <a:p>
-            <a:pPr marL="342900" indent="-342900" algn="l">
-              <a:lnSpc>
-                <a:spcPct val="150000"/>
-              </a:lnSpc>
-              <a:buFont typeface="Arial" panose="020B0604020202020204" pitchFamily="34" charset="0"/>
-              <a:buChar char="•"/>
-            </a:pPr>
-            <a:r>
-              <a:rPr lang="fr-CH" sz="2000" dirty="0">
-                <a:latin typeface="Frutiger LT Pro 45 Light" panose="020B0403030504020204" pitchFamily="34" charset="0"/>
-              </a:rPr>
-              <a:t>Déploiement</a:t>
-            </a:r>
-            <a:endParaRPr lang="en-GB" sz="2000" dirty="0">
-              <a:latin typeface="Frutiger LT Pro 45 Light" panose="020B0403030504020204" pitchFamily="34" charset="0"/>
-            </a:endParaRPr>
-          </a:p>
-          <a:p>
-            <a:pPr marL="342900" indent="-342900" algn="l">
-              <a:lnSpc>
-                <a:spcPct val="150000"/>
-              </a:lnSpc>
-              <a:buFont typeface="Arial" panose="020B0604020202020204" pitchFamily="34" charset="0"/>
-              <a:buChar char="•"/>
-            </a:pPr>
+              <a:t>Merci pour votre attention</a:t>
+            </a:r>
             <a:endParaRPr lang="en-GB" sz="2000" dirty="0">
               <a:latin typeface="Frutiger LT Pro 45 Light" panose="020B0403030504020204" pitchFamily="34" charset="0"/>
             </a:endParaRPr>
@@ -4820,7 +4880,7 @@
         </p:blipFill>
         <p:spPr>
           <a:xfrm>
-            <a:off x="8992870" y="46673"/>
+            <a:off x="8913741" y="213678"/>
             <a:ext cx="1675130" cy="859790"/>
           </a:xfrm>
           <a:prstGeom prst="rect">
@@ -4847,7 +4907,7 @@
               <a:rPr lang="fr-CH" smtClean="0">
                 <a:latin typeface="Frutiger LT Pro 45 Light" panose="020B0403030504020204" pitchFamily="34" charset="0"/>
               </a:rPr>
-              <a:t>15.06.2017</a:t>
+              <a:t>16.06.2017</a:t>
             </a:fld>
             <a:endParaRPr lang="en-GB" dirty="0">
               <a:latin typeface="Frutiger LT Pro 45 Light" panose="020B0403030504020204" pitchFamily="34" charset="0"/>
@@ -4874,29 +4934,8 @@
               <a:rPr lang="en-GB" dirty="0">
                 <a:latin typeface="Frutiger LT Pro 45 Light" panose="020B0403030504020204" pitchFamily="34" charset="0"/>
               </a:rPr>
-              <a:t>APP CIIP - </a:t>
-            </a:r>
-            <a:r>
-              <a:rPr lang="en-GB" dirty="0" err="1">
-                <a:latin typeface="Frutiger LT Pro 45 Light" panose="020B0403030504020204" pitchFamily="34" charset="0"/>
-              </a:rPr>
-              <a:t>Projet</a:t>
-            </a:r>
-            <a:r>
-              <a:rPr lang="en-GB" dirty="0">
-                <a:latin typeface="Frutiger LT Pro 45 Light" panose="020B0403030504020204" pitchFamily="34" charset="0"/>
-              </a:rPr>
-              <a:t> </a:t>
-            </a:r>
-            <a:r>
-              <a:rPr lang="en-GB" dirty="0" err="1">
-                <a:latin typeface="Frutiger LT Pro 45 Light" panose="020B0403030504020204" pitchFamily="34" charset="0"/>
-              </a:rPr>
-              <a:t>d’approfondissement</a:t>
-            </a:r>
-            <a:endParaRPr lang="en-GB" dirty="0">
-              <a:latin typeface="Frutiger LT Pro 45 Light" panose="020B0403030504020204" pitchFamily="34" charset="0"/>
-            </a:endParaRPr>
+              <a:t>APP CIIP - Projet d’approfondissement</a:t>
+            </a:r>
           </a:p>
         </p:txBody>
       </p:sp>
@@ -4920,632 +4959,6 @@
                 <a:latin typeface="Frutiger LT Pro 45 Light" panose="020B0403030504020204" pitchFamily="34" charset="0"/>
               </a:rPr>
               <a:t>13</a:t>
-            </a:fld>
-            <a:endParaRPr lang="en-GB" dirty="0">
-              <a:latin typeface="Frutiger LT Pro 45 Light" panose="020B0403030504020204" pitchFamily="34" charset="0"/>
-            </a:endParaRPr>
-          </a:p>
-        </p:txBody>
-      </p:sp>
-    </p:spTree>
-    <p:extLst>
-      <p:ext uri="{BB962C8B-B14F-4D97-AF65-F5344CB8AC3E}">
-        <p14:creationId xmlns:p14="http://schemas.microsoft.com/office/powerpoint/2010/main" val="2740418745"/>
-      </p:ext>
-    </p:extLst>
-  </p:cSld>
-  <p:clrMapOvr>
-    <a:masterClrMapping/>
-  </p:clrMapOvr>
-</p:sld>
-</file>
-
-<file path=ppt/slides/slide14.xml><?xml version="1.0" encoding="utf-8"?>
-<p:sld xmlns:a="http://schemas.openxmlformats.org/drawingml/2006/main" xmlns:r="http://schemas.openxmlformats.org/officeDocument/2006/relationships" xmlns:p="http://schemas.openxmlformats.org/presentationml/2006/main">
-  <p:cSld>
-    <p:spTree>
-      <p:nvGrpSpPr>
-        <p:cNvPr id="1" name=""/>
-        <p:cNvGrpSpPr/>
-        <p:nvPr/>
-      </p:nvGrpSpPr>
-      <p:grpSpPr>
-        <a:xfrm>
-          <a:off x="0" y="0"/>
-          <a:ext cx="0" cy="0"/>
-          <a:chOff x="0" y="0"/>
-          <a:chExt cx="0" cy="0"/>
-        </a:xfrm>
-      </p:grpSpPr>
-      <p:sp>
-        <p:nvSpPr>
-          <p:cNvPr id="2" name="Titre 1"/>
-          <p:cNvSpPr>
-            <a:spLocks noGrp="1"/>
-          </p:cNvSpPr>
-          <p:nvPr>
-            <p:ph type="ctrTitle"/>
-          </p:nvPr>
-        </p:nvSpPr>
-        <p:spPr>
-          <a:xfrm>
-            <a:off x="750277" y="1113853"/>
-            <a:ext cx="3751385" cy="513006"/>
-          </a:xfrm>
-        </p:spPr>
-        <p:txBody>
-          <a:bodyPr>
-            <a:noAutofit/>
-          </a:bodyPr>
-          <a:lstStyle/>
-          <a:p>
-            <a:r>
-              <a:rPr lang="fr-CH" sz="2400" dirty="0">
-                <a:latin typeface="Frutiger LT Pro 45 Light" panose="020B0403030504020204" pitchFamily="34" charset="0"/>
-              </a:rPr>
-              <a:t>Conclusion</a:t>
-            </a:r>
-          </a:p>
-        </p:txBody>
-      </p:sp>
-      <p:sp>
-        <p:nvSpPr>
-          <p:cNvPr id="3" name="Sous-titre 2"/>
-          <p:cNvSpPr>
-            <a:spLocks noGrp="1"/>
-          </p:cNvSpPr>
-          <p:nvPr>
-            <p:ph type="subTitle" idx="1"/>
-          </p:nvPr>
-        </p:nvSpPr>
-        <p:spPr>
-          <a:xfrm>
-            <a:off x="5196255" y="1370356"/>
-            <a:ext cx="5392615" cy="4135437"/>
-          </a:xfrm>
-        </p:spPr>
-        <p:txBody>
-          <a:bodyPr>
-            <a:normAutofit lnSpcReduction="10000"/>
-          </a:bodyPr>
-          <a:lstStyle/>
-          <a:p>
-            <a:pPr marL="342900" indent="-342900" algn="l">
-              <a:lnSpc>
-                <a:spcPct val="150000"/>
-              </a:lnSpc>
-              <a:buFont typeface="Arial" panose="020B0604020202020204" pitchFamily="34" charset="0"/>
-              <a:buChar char="•"/>
-            </a:pPr>
-            <a:endParaRPr lang="fr-CH" sz="2000" dirty="0">
-              <a:latin typeface="Frutiger LT Pro 45 Light" panose="020B0403030504020204" pitchFamily="34" charset="0"/>
-            </a:endParaRPr>
-          </a:p>
-          <a:p>
-            <a:pPr marL="342900" indent="-342900" algn="l">
-              <a:lnSpc>
-                <a:spcPct val="150000"/>
-              </a:lnSpc>
-              <a:buFont typeface="Arial" panose="020B0604020202020204" pitchFamily="34" charset="0"/>
-              <a:buChar char="•"/>
-            </a:pPr>
-            <a:r>
-              <a:rPr lang="fr-CH" sz="2000" dirty="0">
-                <a:latin typeface="Frutiger LT Pro 45 Light" panose="020B0403030504020204" pitchFamily="34" charset="0"/>
-              </a:rPr>
-              <a:t>Gestion de projet</a:t>
-            </a:r>
-          </a:p>
-          <a:p>
-            <a:pPr marL="800100" lvl="1" indent="-342900" algn="l">
-              <a:lnSpc>
-                <a:spcPct val="150000"/>
-              </a:lnSpc>
-              <a:buFont typeface="Arial" panose="020B0604020202020204" pitchFamily="34" charset="0"/>
-              <a:buChar char="•"/>
-            </a:pPr>
-            <a:r>
-              <a:rPr lang="fr-CH" sz="1600" dirty="0">
-                <a:latin typeface="Frutiger LT Pro 45 Light" panose="020B0403030504020204" pitchFamily="34" charset="0"/>
-              </a:rPr>
-              <a:t>Analyse et conception</a:t>
-            </a:r>
-          </a:p>
-          <a:p>
-            <a:pPr marL="800100" lvl="1" indent="-342900" algn="l">
-              <a:lnSpc>
-                <a:spcPct val="150000"/>
-              </a:lnSpc>
-              <a:buFont typeface="Arial" panose="020B0604020202020204" pitchFamily="34" charset="0"/>
-              <a:buChar char="•"/>
-            </a:pPr>
-            <a:r>
-              <a:rPr lang="fr-CH" sz="1600" dirty="0">
-                <a:latin typeface="Frutiger LT Pro 45 Light" panose="020B0403030504020204" pitchFamily="34" charset="0"/>
-              </a:rPr>
-              <a:t>Gestion du temps et des contraintes</a:t>
-            </a:r>
-          </a:p>
-          <a:p>
-            <a:pPr marL="342900" indent="-342900" algn="l">
-              <a:lnSpc>
-                <a:spcPct val="150000"/>
-              </a:lnSpc>
-              <a:buFont typeface="Arial" panose="020B0604020202020204" pitchFamily="34" charset="0"/>
-              <a:buChar char="•"/>
-            </a:pPr>
-            <a:r>
-              <a:rPr lang="fr-CH" sz="2000" dirty="0">
-                <a:latin typeface="Frutiger LT Pro 45 Light" panose="020B0403030504020204" pitchFamily="34" charset="0"/>
-              </a:rPr>
-              <a:t>Ingénierie logicielle</a:t>
-            </a:r>
-          </a:p>
-          <a:p>
-            <a:pPr marL="342900" indent="-342900" algn="l">
-              <a:lnSpc>
-                <a:spcPct val="150000"/>
-              </a:lnSpc>
-              <a:buFont typeface="Arial" panose="020B0604020202020204" pitchFamily="34" charset="0"/>
-              <a:buChar char="•"/>
-            </a:pPr>
-            <a:r>
-              <a:rPr lang="fr-CH" sz="2000" dirty="0">
-                <a:latin typeface="Frutiger LT Pro 45 Light" panose="020B0403030504020204" pitchFamily="34" charset="0"/>
-              </a:rPr>
-              <a:t>Développement mobile</a:t>
-            </a:r>
-          </a:p>
-          <a:p>
-            <a:pPr marL="342900" indent="-342900" algn="l">
-              <a:lnSpc>
-                <a:spcPct val="150000"/>
-              </a:lnSpc>
-              <a:buFont typeface="Arial" panose="020B0604020202020204" pitchFamily="34" charset="0"/>
-              <a:buChar char="•"/>
-            </a:pPr>
-            <a:r>
-              <a:rPr lang="fr-CH" sz="2000" dirty="0">
-                <a:latin typeface="Frutiger LT Pro 45 Light" panose="020B0403030504020204" pitchFamily="34" charset="0"/>
-              </a:rPr>
-              <a:t>…</a:t>
-            </a:r>
-          </a:p>
-          <a:p>
-            <a:pPr marL="342900" indent="-342900" algn="l">
-              <a:lnSpc>
-                <a:spcPct val="150000"/>
-              </a:lnSpc>
-              <a:buFont typeface="Arial" panose="020B0604020202020204" pitchFamily="34" charset="0"/>
-              <a:buChar char="•"/>
-            </a:pPr>
-            <a:r>
-              <a:rPr lang="fr-CH" sz="2000" dirty="0">
-                <a:latin typeface="Frutiger LT Pro 45 Light" panose="020B0403030504020204" pitchFamily="34" charset="0"/>
-              </a:rPr>
-              <a:t>Travail de Master</a:t>
-            </a:r>
-            <a:endParaRPr lang="en-GB" sz="2000" dirty="0">
-              <a:latin typeface="Frutiger LT Pro 45 Light" panose="020B0403030504020204" pitchFamily="34" charset="0"/>
-            </a:endParaRPr>
-          </a:p>
-          <a:p>
-            <a:pPr marL="342900" indent="-342900" algn="l">
-              <a:lnSpc>
-                <a:spcPct val="150000"/>
-              </a:lnSpc>
-              <a:buFont typeface="Arial" panose="020B0604020202020204" pitchFamily="34" charset="0"/>
-              <a:buChar char="•"/>
-            </a:pPr>
-            <a:endParaRPr lang="en-GB" sz="2000" dirty="0">
-              <a:latin typeface="Frutiger LT Pro 45 Light" panose="020B0403030504020204" pitchFamily="34" charset="0"/>
-            </a:endParaRPr>
-          </a:p>
-        </p:txBody>
-      </p:sp>
-      <p:pic>
-        <p:nvPicPr>
-          <p:cNvPr id="4" name="Image 3"/>
-          <p:cNvPicPr/>
-          <p:nvPr/>
-        </p:nvPicPr>
-        <p:blipFill>
-          <a:blip r:embed="rId2">
-            <a:extLst>
-              <a:ext uri="{28A0092B-C50C-407E-A947-70E740481C1C}">
-                <a14:useLocalDpi xmlns:a14="http://schemas.microsoft.com/office/drawing/2010/main" val="0"/>
-              </a:ext>
-            </a:extLst>
-          </a:blip>
-          <a:stretch>
-            <a:fillRect/>
-          </a:stretch>
-        </p:blipFill>
-        <p:spPr>
-          <a:xfrm>
-            <a:off x="1524000" y="380683"/>
-            <a:ext cx="1965960" cy="525780"/>
-          </a:xfrm>
-          <a:prstGeom prst="rect">
-            <a:avLst/>
-          </a:prstGeom>
-        </p:spPr>
-      </p:pic>
-      <p:pic>
-        <p:nvPicPr>
-          <p:cNvPr id="5" name="Image 4"/>
-          <p:cNvPicPr/>
-          <p:nvPr/>
-        </p:nvPicPr>
-        <p:blipFill>
-          <a:blip r:embed="rId3" cstate="print">
-            <a:extLst>
-              <a:ext uri="{28A0092B-C50C-407E-A947-70E740481C1C}">
-                <a14:useLocalDpi xmlns:a14="http://schemas.microsoft.com/office/drawing/2010/main" val="0"/>
-              </a:ext>
-            </a:extLst>
-          </a:blip>
-          <a:stretch>
-            <a:fillRect/>
-          </a:stretch>
-        </p:blipFill>
-        <p:spPr>
-          <a:xfrm>
-            <a:off x="8992870" y="46673"/>
-            <a:ext cx="1675130" cy="859790"/>
-          </a:xfrm>
-          <a:prstGeom prst="rect">
-            <a:avLst/>
-          </a:prstGeom>
-        </p:spPr>
-      </p:pic>
-      <p:sp>
-        <p:nvSpPr>
-          <p:cNvPr id="7" name="Espace réservé de la date 6"/>
-          <p:cNvSpPr>
-            <a:spLocks noGrp="1"/>
-          </p:cNvSpPr>
-          <p:nvPr>
-            <p:ph type="dt" sz="half" idx="10"/>
-          </p:nvPr>
-        </p:nvSpPr>
-        <p:spPr/>
-        <p:txBody>
-          <a:bodyPr/>
-          <a:lstStyle/>
-          <a:p>
-            <a:fld id="{58F56BDD-9538-4223-96A0-9B97EE0AB994}" type="datetime1">
-              <a:rPr lang="fr-CH" smtClean="0">
-                <a:latin typeface="Frutiger LT Pro 45 Light" panose="020B0403030504020204" pitchFamily="34" charset="0"/>
-              </a:rPr>
-              <a:t>15.06.2017</a:t>
-            </a:fld>
-            <a:endParaRPr lang="en-GB" dirty="0">
-              <a:latin typeface="Frutiger LT Pro 45 Light" panose="020B0403030504020204" pitchFamily="34" charset="0"/>
-            </a:endParaRPr>
-          </a:p>
-        </p:txBody>
-      </p:sp>
-      <p:sp>
-        <p:nvSpPr>
-          <p:cNvPr id="8" name="Espace réservé du pied de page 7"/>
-          <p:cNvSpPr>
-            <a:spLocks noGrp="1"/>
-          </p:cNvSpPr>
-          <p:nvPr>
-            <p:ph type="ftr" sz="quarter" idx="11"/>
-          </p:nvPr>
-        </p:nvSpPr>
-        <p:spPr/>
-        <p:txBody>
-          <a:bodyPr/>
-          <a:lstStyle/>
-          <a:p>
-            <a:r>
-              <a:rPr lang="en-GB" dirty="0">
-                <a:latin typeface="Frutiger LT Pro 45 Light" panose="020B0403030504020204" pitchFamily="34" charset="0"/>
-              </a:rPr>
-              <a:t>APP CIIP - </a:t>
-            </a:r>
-            <a:r>
-              <a:rPr lang="en-GB" dirty="0" err="1">
-                <a:latin typeface="Frutiger LT Pro 45 Light" panose="020B0403030504020204" pitchFamily="34" charset="0"/>
-              </a:rPr>
-              <a:t>Projet</a:t>
-            </a:r>
-            <a:r>
-              <a:rPr lang="en-GB" dirty="0">
-                <a:latin typeface="Frutiger LT Pro 45 Light" panose="020B0403030504020204" pitchFamily="34" charset="0"/>
-              </a:rPr>
-              <a:t> </a:t>
-            </a:r>
-            <a:r>
-              <a:rPr lang="en-GB" dirty="0" err="1">
-                <a:latin typeface="Frutiger LT Pro 45 Light" panose="020B0403030504020204" pitchFamily="34" charset="0"/>
-              </a:rPr>
-              <a:t>d’approfondissement</a:t>
-            </a:r>
-            <a:endParaRPr lang="en-GB" dirty="0">
-              <a:latin typeface="Frutiger LT Pro 45 Light" panose="020B0403030504020204" pitchFamily="34" charset="0"/>
-            </a:endParaRPr>
-          </a:p>
-        </p:txBody>
-      </p:sp>
-      <p:sp>
-        <p:nvSpPr>
-          <p:cNvPr id="9" name="Espace réservé du numéro de diapositive 8"/>
-          <p:cNvSpPr>
-            <a:spLocks noGrp="1"/>
-          </p:cNvSpPr>
-          <p:nvPr>
-            <p:ph type="sldNum" sz="quarter" idx="12"/>
-          </p:nvPr>
-        </p:nvSpPr>
-        <p:spPr/>
-        <p:txBody>
-          <a:bodyPr/>
-          <a:lstStyle/>
-          <a:p>
-            <a:fld id="{821DB64B-483F-41E0-8489-6108C173BB63}" type="slidenum">
-              <a:rPr lang="en-GB" smtClean="0">
-                <a:latin typeface="Frutiger LT Pro 45 Light" panose="020B0403030504020204" pitchFamily="34" charset="0"/>
-              </a:rPr>
-              <a:t>14</a:t>
-            </a:fld>
-            <a:endParaRPr lang="en-GB" dirty="0">
-              <a:latin typeface="Frutiger LT Pro 45 Light" panose="020B0403030504020204" pitchFamily="34" charset="0"/>
-            </a:endParaRPr>
-          </a:p>
-        </p:txBody>
-      </p:sp>
-    </p:spTree>
-    <p:extLst>
-      <p:ext uri="{BB962C8B-B14F-4D97-AF65-F5344CB8AC3E}">
-        <p14:creationId xmlns:p14="http://schemas.microsoft.com/office/powerpoint/2010/main" val="3387627377"/>
-      </p:ext>
-    </p:extLst>
-  </p:cSld>
-  <p:clrMapOvr>
-    <a:masterClrMapping/>
-  </p:clrMapOvr>
-</p:sld>
-</file>
-
-<file path=ppt/slides/slide15.xml><?xml version="1.0" encoding="utf-8"?>
-<p:sld xmlns:a="http://schemas.openxmlformats.org/drawingml/2006/main" xmlns:r="http://schemas.openxmlformats.org/officeDocument/2006/relationships" xmlns:p="http://schemas.openxmlformats.org/presentationml/2006/main">
-  <p:cSld>
-    <p:spTree>
-      <p:nvGrpSpPr>
-        <p:cNvPr id="1" name=""/>
-        <p:cNvGrpSpPr/>
-        <p:nvPr/>
-      </p:nvGrpSpPr>
-      <p:grpSpPr>
-        <a:xfrm>
-          <a:off x="0" y="0"/>
-          <a:ext cx="0" cy="0"/>
-          <a:chOff x="0" y="0"/>
-          <a:chExt cx="0" cy="0"/>
-        </a:xfrm>
-      </p:grpSpPr>
-      <p:sp>
-        <p:nvSpPr>
-          <p:cNvPr id="2" name="Titre 1"/>
-          <p:cNvSpPr>
-            <a:spLocks noGrp="1"/>
-          </p:cNvSpPr>
-          <p:nvPr>
-            <p:ph type="ctrTitle"/>
-          </p:nvPr>
-        </p:nvSpPr>
-        <p:spPr>
-          <a:xfrm>
-            <a:off x="3950677" y="2714052"/>
-            <a:ext cx="4331677" cy="1066639"/>
-          </a:xfrm>
-        </p:spPr>
-        <p:txBody>
-          <a:bodyPr>
-            <a:noAutofit/>
-          </a:bodyPr>
-          <a:lstStyle/>
-          <a:p>
-            <a:r>
-              <a:rPr lang="fr-CH" sz="2800" dirty="0">
-                <a:latin typeface="Frutiger LT Pro 45 Light" panose="020B0403030504020204" pitchFamily="34" charset="0"/>
-              </a:rPr>
-              <a:t>Remarques &amp; Questions?</a:t>
-            </a:r>
-          </a:p>
-        </p:txBody>
-      </p:sp>
-      <p:sp>
-        <p:nvSpPr>
-          <p:cNvPr id="3" name="Sous-titre 2"/>
-          <p:cNvSpPr>
-            <a:spLocks noGrp="1"/>
-          </p:cNvSpPr>
-          <p:nvPr>
-            <p:ph type="subTitle" idx="1"/>
-          </p:nvPr>
-        </p:nvSpPr>
-        <p:spPr>
-          <a:xfrm>
-            <a:off x="1524001" y="1370357"/>
-            <a:ext cx="9064870" cy="959606"/>
-          </a:xfrm>
-        </p:spPr>
-        <p:txBody>
-          <a:bodyPr>
-            <a:normAutofit/>
-          </a:bodyPr>
-          <a:lstStyle/>
-          <a:p>
-            <a:pPr algn="l">
-              <a:lnSpc>
-                <a:spcPct val="150000"/>
-              </a:lnSpc>
-            </a:pPr>
-            <a:r>
-              <a:rPr lang="fr-CH" sz="2000" dirty="0">
-                <a:latin typeface="Frutiger LT Pro 45 Light" panose="020B0403030504020204" pitchFamily="34" charset="0"/>
-              </a:rPr>
-              <a:t>Merci pour votre attention</a:t>
-            </a:r>
-            <a:endParaRPr lang="en-GB" sz="2000" dirty="0">
-              <a:latin typeface="Frutiger LT Pro 45 Light" panose="020B0403030504020204" pitchFamily="34" charset="0"/>
-            </a:endParaRPr>
-          </a:p>
-        </p:txBody>
-      </p:sp>
-      <p:pic>
-        <p:nvPicPr>
-          <p:cNvPr id="4" name="Image 3"/>
-          <p:cNvPicPr/>
-          <p:nvPr/>
-        </p:nvPicPr>
-        <p:blipFill>
-          <a:blip r:embed="rId2">
-            <a:extLst>
-              <a:ext uri="{28A0092B-C50C-407E-A947-70E740481C1C}">
-                <a14:useLocalDpi xmlns:a14="http://schemas.microsoft.com/office/drawing/2010/main" val="0"/>
-              </a:ext>
-            </a:extLst>
-          </a:blip>
-          <a:stretch>
-            <a:fillRect/>
-          </a:stretch>
-        </p:blipFill>
-        <p:spPr>
-          <a:xfrm>
-            <a:off x="1524000" y="380683"/>
-            <a:ext cx="1965960" cy="525780"/>
-          </a:xfrm>
-          <a:prstGeom prst="rect">
-            <a:avLst/>
-          </a:prstGeom>
-        </p:spPr>
-      </p:pic>
-      <p:pic>
-        <p:nvPicPr>
-          <p:cNvPr id="5" name="Image 4"/>
-          <p:cNvPicPr/>
-          <p:nvPr/>
-        </p:nvPicPr>
-        <p:blipFill>
-          <a:blip r:embed="rId3" cstate="print">
-            <a:extLst>
-              <a:ext uri="{28A0092B-C50C-407E-A947-70E740481C1C}">
-                <a14:useLocalDpi xmlns:a14="http://schemas.microsoft.com/office/drawing/2010/main" val="0"/>
-              </a:ext>
-            </a:extLst>
-          </a:blip>
-          <a:stretch>
-            <a:fillRect/>
-          </a:stretch>
-        </p:blipFill>
-        <p:spPr>
-          <a:xfrm>
-            <a:off x="8992870" y="46673"/>
-            <a:ext cx="1675130" cy="859790"/>
-          </a:xfrm>
-          <a:prstGeom prst="rect">
-            <a:avLst/>
-          </a:prstGeom>
-        </p:spPr>
-      </p:pic>
-      <p:sp>
-        <p:nvSpPr>
-          <p:cNvPr id="7" name="Espace réservé de la date 6"/>
-          <p:cNvSpPr>
-            <a:spLocks noGrp="1"/>
-          </p:cNvSpPr>
-          <p:nvPr>
-            <p:ph type="dt" sz="half" idx="10"/>
-          </p:nvPr>
-        </p:nvSpPr>
-        <p:spPr/>
-        <p:txBody>
-          <a:bodyPr/>
-          <a:lstStyle/>
-          <a:p>
-            <a:fld id="{58F56BDD-9538-4223-96A0-9B97EE0AB994}" type="datetime1">
-              <a:rPr lang="fr-CH" smtClean="0">
-                <a:latin typeface="Frutiger LT Pro 45 Light" panose="020B0403030504020204" pitchFamily="34" charset="0"/>
-              </a:rPr>
-              <a:t>15.06.2017</a:t>
-            </a:fld>
-            <a:endParaRPr lang="en-GB" dirty="0">
-              <a:latin typeface="Frutiger LT Pro 45 Light" panose="020B0403030504020204" pitchFamily="34" charset="0"/>
-            </a:endParaRPr>
-          </a:p>
-        </p:txBody>
-      </p:sp>
-      <p:sp>
-        <p:nvSpPr>
-          <p:cNvPr id="8" name="Espace réservé du pied de page 7"/>
-          <p:cNvSpPr>
-            <a:spLocks noGrp="1"/>
-          </p:cNvSpPr>
-          <p:nvPr>
-            <p:ph type="ftr" sz="quarter" idx="11"/>
-          </p:nvPr>
-        </p:nvSpPr>
-        <p:spPr/>
-        <p:txBody>
-          <a:bodyPr/>
-          <a:lstStyle/>
-          <a:p>
-            <a:r>
-              <a:rPr lang="en-GB" dirty="0">
-                <a:latin typeface="Frutiger LT Pro 45 Light" panose="020B0403030504020204" pitchFamily="34" charset="0"/>
-              </a:rPr>
-              <a:t>APP CIIP - </a:t>
-            </a:r>
-            <a:r>
-              <a:rPr lang="en-GB" dirty="0" err="1">
-                <a:latin typeface="Frutiger LT Pro 45 Light" panose="020B0403030504020204" pitchFamily="34" charset="0"/>
-              </a:rPr>
-              <a:t>Projet</a:t>
-            </a:r>
-            <a:r>
-              <a:rPr lang="en-GB" dirty="0">
-                <a:latin typeface="Frutiger LT Pro 45 Light" panose="020B0403030504020204" pitchFamily="34" charset="0"/>
-              </a:rPr>
-              <a:t> </a:t>
-            </a:r>
-            <a:r>
-              <a:rPr lang="en-GB" dirty="0" err="1">
-                <a:latin typeface="Frutiger LT Pro 45 Light" panose="020B0403030504020204" pitchFamily="34" charset="0"/>
-              </a:rPr>
-              <a:t>d’approfondissement</a:t>
-            </a:r>
-            <a:endParaRPr lang="en-GB" dirty="0">
-              <a:latin typeface="Frutiger LT Pro 45 Light" panose="020B0403030504020204" pitchFamily="34" charset="0"/>
-            </a:endParaRPr>
-          </a:p>
-        </p:txBody>
-      </p:sp>
-      <p:sp>
-        <p:nvSpPr>
-          <p:cNvPr id="9" name="Espace réservé du numéro de diapositive 8"/>
-          <p:cNvSpPr>
-            <a:spLocks noGrp="1"/>
-          </p:cNvSpPr>
-          <p:nvPr>
-            <p:ph type="sldNum" sz="quarter" idx="12"/>
-          </p:nvPr>
-        </p:nvSpPr>
-        <p:spPr/>
-        <p:txBody>
-          <a:bodyPr/>
-          <a:lstStyle/>
-          <a:p>
-            <a:fld id="{821DB64B-483F-41E0-8489-6108C173BB63}" type="slidenum">
-              <a:rPr lang="en-GB" smtClean="0">
-                <a:latin typeface="Frutiger LT Pro 45 Light" panose="020B0403030504020204" pitchFamily="34" charset="0"/>
-              </a:rPr>
-              <a:t>15</a:t>
             </a:fld>
             <a:endParaRPr lang="en-GB" dirty="0">
               <a:latin typeface="Frutiger LT Pro 45 Light" panose="020B0403030504020204" pitchFamily="34" charset="0"/>
@@ -5595,8 +5008,8 @@
         </p:nvSpPr>
         <p:spPr>
           <a:xfrm>
-            <a:off x="781439" y="1122363"/>
-            <a:ext cx="3751385" cy="870439"/>
+            <a:off x="2135699" y="1097511"/>
+            <a:ext cx="2708521" cy="618514"/>
           </a:xfrm>
         </p:spPr>
         <p:txBody>
@@ -5639,13 +5052,13 @@
         </p:nvSpPr>
         <p:spPr>
           <a:xfrm>
-            <a:off x="5196255" y="1370356"/>
-            <a:ext cx="5392615" cy="4135437"/>
+            <a:off x="5521568" y="1468315"/>
+            <a:ext cx="5146431" cy="3808878"/>
           </a:xfrm>
         </p:spPr>
         <p:txBody>
           <a:bodyPr>
-            <a:normAutofit fontScale="92500" lnSpcReduction="20000"/>
+            <a:normAutofit/>
           </a:bodyPr>
           <a:lstStyle/>
           <a:p>
@@ -5693,43 +5106,7 @@
               <a:rPr lang="fr-CH" sz="2000" dirty="0">
                 <a:latin typeface="Frutiger LT Pro 45 Light" panose="020B0403030504020204" pitchFamily="34" charset="0"/>
               </a:rPr>
-              <a:t>Gestion du projet</a:t>
-            </a:r>
-            <a:endParaRPr lang="en-GB" sz="2000" dirty="0">
-              <a:latin typeface="Frutiger LT Pro 45 Light" panose="020B0403030504020204" pitchFamily="34" charset="0"/>
-            </a:endParaRPr>
-          </a:p>
-          <a:p>
-            <a:pPr marL="342900" indent="-342900" algn="l">
-              <a:lnSpc>
-                <a:spcPct val="150000"/>
-              </a:lnSpc>
-              <a:buFont typeface="Arial" panose="020B0604020202020204" pitchFamily="34" charset="0"/>
-              <a:buChar char="•"/>
-            </a:pPr>
-            <a:r>
-              <a:rPr lang="fr-CH" sz="2000" dirty="0">
-                <a:latin typeface="Frutiger LT Pro 45 Light" panose="020B0403030504020204" pitchFamily="34" charset="0"/>
-              </a:rPr>
               <a:t>Implémentation</a:t>
-            </a:r>
-            <a:endParaRPr lang="en-GB" sz="2000" dirty="0">
-              <a:latin typeface="Frutiger LT Pro 45 Light" panose="020B0403030504020204" pitchFamily="34" charset="0"/>
-            </a:endParaRPr>
-          </a:p>
-          <a:p>
-            <a:pPr marL="342900" indent="-342900" algn="l">
-              <a:lnSpc>
-                <a:spcPct val="150000"/>
-              </a:lnSpc>
-              <a:buFont typeface="Arial" panose="020B0604020202020204" pitchFamily="34" charset="0"/>
-              <a:buChar char="•"/>
-            </a:pPr>
-            <a:r>
-              <a:rPr lang="fr-CH" sz="2000" dirty="0">
-                <a:latin typeface="Frutiger LT Pro 45 Light" panose="020B0403030504020204" pitchFamily="34" charset="0"/>
-              </a:rPr>
-              <a:t>Tests &amp; Documentation</a:t>
             </a:r>
             <a:endParaRPr lang="en-GB" sz="2000" dirty="0">
               <a:latin typeface="Frutiger LT Pro 45 Light" panose="020B0403030504020204" pitchFamily="34" charset="0"/>
@@ -5851,7 +5228,7 @@
         </p:blipFill>
         <p:spPr>
           <a:xfrm>
-            <a:off x="8992870" y="46673"/>
+            <a:off x="8913740" y="213678"/>
             <a:ext cx="1675130" cy="859790"/>
           </a:xfrm>
           <a:prstGeom prst="rect">
@@ -5878,7 +5255,7 @@
               <a:rPr lang="fr-CH" smtClean="0">
                 <a:latin typeface="Frutiger LT Pro 45 Light" panose="020B0403030504020204" pitchFamily="34" charset="0"/>
               </a:rPr>
-              <a:t>15.06.2017</a:t>
+              <a:t>16.06.2017</a:t>
             </a:fld>
             <a:endParaRPr lang="en-GB" dirty="0">
               <a:latin typeface="Frutiger LT Pro 45 Light" panose="020B0403030504020204" pitchFamily="34" charset="0"/>
@@ -5905,29 +5282,8 @@
               <a:rPr lang="en-GB" dirty="0">
                 <a:latin typeface="Frutiger LT Pro 45 Light" panose="020B0403030504020204" pitchFamily="34" charset="0"/>
               </a:rPr>
-              <a:t>APP CIIP - </a:t>
-            </a:r>
-            <a:r>
-              <a:rPr lang="en-GB" dirty="0" err="1">
-                <a:latin typeface="Frutiger LT Pro 45 Light" panose="020B0403030504020204" pitchFamily="34" charset="0"/>
-              </a:rPr>
-              <a:t>Projet</a:t>
-            </a:r>
-            <a:r>
-              <a:rPr lang="en-GB" dirty="0">
-                <a:latin typeface="Frutiger LT Pro 45 Light" panose="020B0403030504020204" pitchFamily="34" charset="0"/>
-              </a:rPr>
-              <a:t> </a:t>
-            </a:r>
-            <a:r>
-              <a:rPr lang="en-GB" dirty="0" err="1">
-                <a:latin typeface="Frutiger LT Pro 45 Light" panose="020B0403030504020204" pitchFamily="34" charset="0"/>
-              </a:rPr>
-              <a:t>d’approfondissement</a:t>
-            </a:r>
-            <a:endParaRPr lang="en-GB" dirty="0">
-              <a:latin typeface="Frutiger LT Pro 45 Light" panose="020B0403030504020204" pitchFamily="34" charset="0"/>
-            </a:endParaRPr>
+              <a:t>APP CIIP - Projet d’approfondissement</a:t>
+            </a:r>
           </a:p>
         </p:txBody>
       </p:sp>
@@ -6000,8 +5356,8 @@
         </p:nvSpPr>
         <p:spPr>
           <a:xfrm>
-            <a:off x="781439" y="1122363"/>
-            <a:ext cx="3751385" cy="870439"/>
+            <a:off x="2209800" y="1289657"/>
+            <a:ext cx="2708521" cy="671268"/>
           </a:xfrm>
         </p:spPr>
         <p:txBody>
@@ -6011,7 +5367,7 @@
           <a:lstStyle/>
           <a:p>
             <a:r>
-              <a:rPr lang="fr-CH" sz="2400" dirty="0">
+              <a:rPr lang="fr-CH" sz="2000" dirty="0">
                 <a:latin typeface="Frutiger LT Pro 45 Light" panose="020B0403030504020204" pitchFamily="34" charset="0"/>
               </a:rPr>
               <a:t>Contexte &amp; Objectifs</a:t>
@@ -6049,8 +5405,8 @@
         </p:nvSpPr>
         <p:spPr>
           <a:xfrm>
-            <a:off x="5196255" y="1370356"/>
-            <a:ext cx="5392615" cy="4135437"/>
+            <a:off x="3827584" y="1960925"/>
+            <a:ext cx="7178041" cy="3045565"/>
           </a:xfrm>
         </p:spPr>
         <p:txBody>
@@ -6067,10 +5423,10 @@
               <a:buChar char="•"/>
             </a:pPr>
             <a:r>
-              <a:rPr lang="fr-CH" sz="2000" dirty="0">
-                <a:latin typeface="Frutiger LT Pro 45 Light" panose="020B0403030504020204" pitchFamily="34" charset="0"/>
-              </a:rPr>
-              <a:t>Instruction publique romande</a:t>
+              <a:rPr lang="fr-CH" sz="1400" dirty="0">
+                <a:latin typeface="Frutiger LT Pro 45 Light" panose="020B0403030504020204" pitchFamily="34" charset="0"/>
+              </a:rPr>
+              <a:t>Conférence intercantonale de l'instruction publique (CIIP) et ses partenaires</a:t>
             </a:r>
           </a:p>
           <a:p>
@@ -6082,10 +5438,10 @@
               <a:buChar char="•"/>
             </a:pPr>
             <a:r>
-              <a:rPr lang="fr-CH" sz="2000" dirty="0">
-                <a:latin typeface="Frutiger LT Pro 45 Light" panose="020B0403030504020204" pitchFamily="34" charset="0"/>
-              </a:rPr>
-              <a:t>Bases d’une application utile</a:t>
+              <a:rPr lang="fr-CH" sz="1400" dirty="0">
+                <a:latin typeface="Frutiger LT Pro 45 Light" panose="020B0403030504020204" pitchFamily="34" charset="0"/>
+              </a:rPr>
+              <a:t>Recherche récurrentes des calendriers des vacances scolaires cantonales</a:t>
             </a:r>
           </a:p>
           <a:p>
@@ -6097,10 +5453,10 @@
               <a:buChar char="•"/>
             </a:pPr>
             <a:r>
-              <a:rPr lang="fr-CH" sz="2000" dirty="0">
-                <a:latin typeface="Frutiger LT Pro 45 Light" panose="020B0403030504020204" pitchFamily="34" charset="0"/>
-              </a:rPr>
-              <a:t>Développement d’un POC</a:t>
+              <a:rPr lang="fr-CH" sz="1400" dirty="0">
+                <a:latin typeface="Frutiger LT Pro 45 Light" panose="020B0403030504020204" pitchFamily="34" charset="0"/>
+              </a:rPr>
+              <a:t>Espace de présentation des manifestations de l'Espace romand de la formation</a:t>
             </a:r>
           </a:p>
           <a:p>
@@ -6111,9 +5467,42 @@
               <a:buFont typeface="Arial" panose="020B0604020202020204" pitchFamily="34" charset="0"/>
               <a:buChar char="•"/>
             </a:pPr>
-            <a:endParaRPr lang="en-GB" sz="2000" dirty="0">
-              <a:latin typeface="Frutiger LT Pro 45 Light" panose="020B0403030504020204" pitchFamily="34" charset="0"/>
-            </a:endParaRPr>
+            <a:r>
+              <a:rPr lang="fr-CH" sz="1400" dirty="0">
+                <a:latin typeface="Frutiger LT Pro 45 Light" panose="020B0403030504020204" pitchFamily="34" charset="0"/>
+              </a:rPr>
+              <a:t>Centraliser les informations et y faciliter l’accès</a:t>
+            </a:r>
+          </a:p>
+          <a:p>
+            <a:pPr marL="342900" indent="-342900" algn="l">
+              <a:lnSpc>
+                <a:spcPct val="150000"/>
+              </a:lnSpc>
+              <a:buFont typeface="Arial" panose="020B0604020202020204" pitchFamily="34" charset="0"/>
+              <a:buChar char="•"/>
+            </a:pPr>
+            <a:r>
+              <a:rPr lang="fr-CH" sz="1400" dirty="0">
+                <a:latin typeface="Frutiger LT Pro 45 Light" panose="020B0403030504020204" pitchFamily="34" charset="0"/>
+              </a:rPr>
+              <a:t>Bases d’une application utile </a:t>
+            </a:r>
+          </a:p>
+          <a:p>
+            <a:pPr marL="342900" indent="-342900" algn="l">
+              <a:lnSpc>
+                <a:spcPct val="150000"/>
+              </a:lnSpc>
+              <a:buFont typeface="Arial" panose="020B0604020202020204" pitchFamily="34" charset="0"/>
+              <a:buChar char="•"/>
+            </a:pPr>
+            <a:r>
+              <a:rPr lang="fr-CH" sz="1400" dirty="0">
+                <a:latin typeface="Frutiger LT Pro 45 Light" panose="020B0403030504020204" pitchFamily="34" charset="0"/>
+              </a:rPr>
+              <a:t>Développement d’un Proof of Concept</a:t>
+            </a:r>
           </a:p>
         </p:txBody>
       </p:sp>
@@ -6165,7 +5554,7 @@
         </p:blipFill>
         <p:spPr>
           <a:xfrm>
-            <a:off x="8992870" y="46673"/>
+            <a:off x="8984078" y="213678"/>
             <a:ext cx="1675130" cy="859790"/>
           </a:xfrm>
           <a:prstGeom prst="rect">
@@ -6192,7 +5581,7 @@
               <a:rPr lang="fr-CH" smtClean="0">
                 <a:latin typeface="Frutiger LT Pro 45 Light" panose="020B0403030504020204" pitchFamily="34" charset="0"/>
               </a:rPr>
-              <a:t>15.06.2017</a:t>
+              <a:t>16.06.2017</a:t>
             </a:fld>
             <a:endParaRPr lang="en-GB" dirty="0">
               <a:latin typeface="Frutiger LT Pro 45 Light" panose="020B0403030504020204" pitchFamily="34" charset="0"/>
@@ -6219,29 +5608,8 @@
               <a:rPr lang="en-GB" dirty="0">
                 <a:latin typeface="Frutiger LT Pro 45 Light" panose="020B0403030504020204" pitchFamily="34" charset="0"/>
               </a:rPr>
-              <a:t>APP CIIP - </a:t>
-            </a:r>
-            <a:r>
-              <a:rPr lang="en-GB" dirty="0" err="1">
-                <a:latin typeface="Frutiger LT Pro 45 Light" panose="020B0403030504020204" pitchFamily="34" charset="0"/>
-              </a:rPr>
-              <a:t>Projet</a:t>
-            </a:r>
-            <a:r>
-              <a:rPr lang="en-GB" dirty="0">
-                <a:latin typeface="Frutiger LT Pro 45 Light" panose="020B0403030504020204" pitchFamily="34" charset="0"/>
-              </a:rPr>
-              <a:t> </a:t>
-            </a:r>
-            <a:r>
-              <a:rPr lang="en-GB" dirty="0" err="1">
-                <a:latin typeface="Frutiger LT Pro 45 Light" panose="020B0403030504020204" pitchFamily="34" charset="0"/>
-              </a:rPr>
-              <a:t>d’approfondissement</a:t>
-            </a:r>
-            <a:endParaRPr lang="en-GB" dirty="0">
-              <a:latin typeface="Frutiger LT Pro 45 Light" panose="020B0403030504020204" pitchFamily="34" charset="0"/>
-            </a:endParaRPr>
+              <a:t>APP CIIP - Projet d’approfondissement</a:t>
+            </a:r>
           </a:p>
         </p:txBody>
       </p:sp>
@@ -6272,6 +5640,36 @@
           </a:p>
         </p:txBody>
       </p:sp>
+      <p:pic>
+        <p:nvPicPr>
+          <p:cNvPr id="6" name="Image 5"/>
+          <p:cNvPicPr>
+            <a:picLocks noChangeAspect="1"/>
+          </p:cNvPicPr>
+          <p:nvPr/>
+        </p:nvPicPr>
+        <p:blipFill>
+          <a:blip r:embed="rId4">
+            <a:extLst>
+              <a:ext uri="{28A0092B-C50C-407E-A947-70E740481C1C}">
+                <a14:useLocalDpi xmlns:a14="http://schemas.microsoft.com/office/drawing/2010/main" val="0"/>
+              </a:ext>
+            </a:extLst>
+          </a:blip>
+          <a:stretch>
+            <a:fillRect/>
+          </a:stretch>
+        </p:blipFill>
+        <p:spPr>
+          <a:xfrm>
+            <a:off x="1072068" y="2344120"/>
+            <a:ext cx="2127261" cy="2127261"/>
+          </a:xfrm>
+          <a:prstGeom prst="rect">
+            <a:avLst/>
+          </a:prstGeom>
+        </p:spPr>
+      </p:pic>
     </p:spTree>
     <p:extLst>
       <p:ext uri="{BB962C8B-B14F-4D97-AF65-F5344CB8AC3E}">
@@ -6314,7 +5712,7 @@
         </p:nvSpPr>
         <p:spPr>
           <a:xfrm>
-            <a:off x="781439" y="1122364"/>
+            <a:off x="2288832" y="841132"/>
             <a:ext cx="3751385" cy="513006"/>
           </a:xfrm>
         </p:spPr>
@@ -6324,6 +5722,7 @@
           </a:bodyPr>
           <a:lstStyle/>
           <a:p>
+            <a:pPr algn="l"/>
             <a:r>
               <a:rPr lang="fr-CH" sz="2400" dirty="0">
                 <a:latin typeface="Frutiger LT Pro 45 Light" panose="020B0403030504020204" pitchFamily="34" charset="0"/>
@@ -6345,13 +5744,13 @@
         </p:nvSpPr>
         <p:spPr>
           <a:xfrm>
-            <a:off x="5196255" y="1370356"/>
-            <a:ext cx="5392615" cy="4135437"/>
+            <a:off x="5000624" y="1635370"/>
+            <a:ext cx="6563263" cy="4365380"/>
           </a:xfrm>
         </p:spPr>
         <p:txBody>
           <a:bodyPr>
-            <a:normAutofit/>
+            <a:normAutofit fontScale="77500" lnSpcReduction="20000"/>
           </a:bodyPr>
           <a:lstStyle/>
           <a:p>
@@ -6366,7 +5765,52 @@
               <a:rPr lang="fr-CH" sz="2000" dirty="0">
                 <a:latin typeface="Frutiger LT Pro 45 Light" panose="020B0403030504020204" pitchFamily="34" charset="0"/>
               </a:rPr>
-              <a:t>Cadre</a:t>
+              <a:t>Cadre, cible, contenus</a:t>
+            </a:r>
+          </a:p>
+          <a:p>
+            <a:pPr marL="800100" lvl="1" indent="-342900" algn="l">
+              <a:lnSpc>
+                <a:spcPct val="150000"/>
+              </a:lnSpc>
+              <a:buFont typeface="Arial" panose="020B0604020202020204" pitchFamily="34" charset="0"/>
+              <a:buChar char="•"/>
+            </a:pPr>
+            <a:r>
+              <a:rPr lang="fr-CH" sz="1200" dirty="0">
+                <a:latin typeface="Frutiger LT Pro 45 Light" panose="020B0403030504020204" pitchFamily="34" charset="0"/>
+              </a:rPr>
+              <a:t>Enseignants, délégués, responsables d'établissements scolaires, parents d’élèves,…</a:t>
+            </a:r>
+          </a:p>
+          <a:p>
+            <a:pPr marL="800100" lvl="1" indent="-342900" algn="l">
+              <a:lnSpc>
+                <a:spcPct val="150000"/>
+              </a:lnSpc>
+              <a:buFont typeface="Arial" panose="020B0604020202020204" pitchFamily="34" charset="0"/>
+              <a:buChar char="•"/>
+            </a:pPr>
+            <a:r>
+              <a:rPr lang="fr-CH" sz="1200" dirty="0">
+                <a:latin typeface="Frutiger LT Pro 45 Light" panose="020B0403030504020204" pitchFamily="34" charset="0"/>
+              </a:rPr>
+              <a:t>Domaine de l’éducation</a:t>
+            </a:r>
+          </a:p>
+          <a:p>
+            <a:pPr marL="800100" lvl="1" indent="-342900" algn="l">
+              <a:lnSpc>
+                <a:spcPct val="150000"/>
+              </a:lnSpc>
+              <a:buFont typeface="Arial" panose="020B0604020202020204" pitchFamily="34" charset="0"/>
+              <a:buChar char="•"/>
+            </a:pPr>
+            <a:r>
+              <a:rPr lang="fr-CH" sz="1200" dirty="0">
+                <a:latin typeface="Frutiger LT Pro 45 Light" panose="020B0403030504020204" pitchFamily="34" charset="0"/>
+              </a:rPr>
+              <a:t>Contenus textes et images illustratives</a:t>
             </a:r>
           </a:p>
           <a:p>
@@ -6385,6 +5829,39 @@
             </a:r>
           </a:p>
           <a:p>
+            <a:pPr marL="800100" lvl="1" indent="-342900" algn="l">
+              <a:lnSpc>
+                <a:spcPct val="150000"/>
+              </a:lnSpc>
+              <a:buFont typeface="Arial" panose="020B0604020202020204" pitchFamily="34" charset="0"/>
+              <a:buChar char="•"/>
+            </a:pPr>
+            <a:r>
+              <a:rPr lang="en-US" sz="1200" dirty="0" err="1">
+                <a:latin typeface="Frutiger LT Pro 45 Light" panose="020B0403030504020204" pitchFamily="34" charset="0"/>
+              </a:rPr>
+              <a:t>Serveur</a:t>
+            </a:r>
+            <a:endParaRPr lang="en-US" sz="1200" dirty="0">
+              <a:latin typeface="Frutiger LT Pro 45 Light" panose="020B0403030504020204" pitchFamily="34" charset="0"/>
+            </a:endParaRPr>
+          </a:p>
+          <a:p>
+            <a:pPr marL="800100" lvl="1" indent="-342900" algn="l">
+              <a:lnSpc>
+                <a:spcPct val="150000"/>
+              </a:lnSpc>
+              <a:buFont typeface="Arial" panose="020B0604020202020204" pitchFamily="34" charset="0"/>
+              <a:buChar char="•"/>
+            </a:pPr>
+            <a:r>
+              <a:rPr lang="fr-CH" sz="1200" dirty="0">
+                <a:latin typeface="Frutiger LT Pro 45 Light" panose="020B0403030504020204" pitchFamily="34" charset="0"/>
+              </a:rPr>
+              <a:t>Client</a:t>
+            </a:r>
+          </a:p>
+          <a:p>
             <a:pPr marL="342900" indent="-342900" algn="l">
               <a:lnSpc>
                 <a:spcPct val="150000"/>
@@ -6400,6 +5877,42 @@
             </a:r>
           </a:p>
           <a:p>
+            <a:pPr marL="800100" lvl="1" indent="-342900" algn="l">
+              <a:lnSpc>
+                <a:spcPct val="150000"/>
+              </a:lnSpc>
+              <a:buFont typeface="Arial" panose="020B0604020202020204" pitchFamily="34" charset="0"/>
+              <a:buChar char="•"/>
+            </a:pPr>
+            <a:r>
+              <a:rPr lang="fr-CH" sz="1200" dirty="0">
+                <a:latin typeface="Frutiger LT Pro 45 Light" panose="020B0403030504020204" pitchFamily="34" charset="0"/>
+              </a:rPr>
+              <a:t>Arborescence application mobile</a:t>
+            </a:r>
+          </a:p>
+          <a:p>
+            <a:pPr marL="800100" lvl="1" indent="-342900" algn="l">
+              <a:lnSpc>
+                <a:spcPct val="150000"/>
+              </a:lnSpc>
+              <a:buFont typeface="Arial" panose="020B0604020202020204" pitchFamily="34" charset="0"/>
+              <a:buChar char="•"/>
+            </a:pPr>
+            <a:r>
+              <a:rPr lang="fr-CH" sz="1200" dirty="0" err="1">
+                <a:latin typeface="Frutiger LT Pro 45 Light" panose="020B0403030504020204" pitchFamily="34" charset="0"/>
+              </a:rPr>
+              <a:t>Mockups</a:t>
+            </a:r>
+            <a:r>
+              <a:rPr lang="fr-CH" sz="1200" dirty="0">
+                <a:latin typeface="Frutiger LT Pro 45 Light" panose="020B0403030504020204" pitchFamily="34" charset="0"/>
+              </a:rPr>
+              <a:t> </a:t>
+            </a:r>
+          </a:p>
+          <a:p>
             <a:pPr marL="342900" indent="-342900" algn="l">
               <a:lnSpc>
                 <a:spcPct val="150000"/>
@@ -6411,7 +5924,7 @@
               <a:rPr lang="fr-CH" sz="2000" dirty="0">
                 <a:latin typeface="Frutiger LT Pro 45 Light" panose="020B0403030504020204" pitchFamily="34" charset="0"/>
               </a:rPr>
-              <a:t>Architecture</a:t>
+              <a:t>Design de l’architecture client/serveur</a:t>
             </a:r>
           </a:p>
           <a:p>
@@ -6426,7 +5939,7 @@
               <a:rPr lang="fr-CH" sz="2000" dirty="0">
                 <a:latin typeface="Frutiger LT Pro 45 Light" panose="020B0403030504020204" pitchFamily="34" charset="0"/>
               </a:rPr>
-              <a:t>Gestion du projet</a:t>
+              <a:t>Gestion du projet, méthodologie, planning : 180 heures, 15 semaines</a:t>
             </a:r>
           </a:p>
           <a:p>
@@ -6441,7 +5954,7 @@
               <a:rPr lang="fr-CH" sz="2000" dirty="0">
                 <a:latin typeface="Frutiger LT Pro 45 Light" panose="020B0403030504020204" pitchFamily="34" charset="0"/>
               </a:rPr>
-              <a:t>Choix technologiques</a:t>
+              <a:t>Choix technologiques : Langages, environnements de développement</a:t>
             </a:r>
             <a:endParaRPr lang="en-GB" sz="2000" dirty="0">
               <a:latin typeface="Frutiger LT Pro 45 Light" panose="020B0403030504020204" pitchFamily="34" charset="0"/>
@@ -6497,7 +6010,7 @@
         </p:blipFill>
         <p:spPr>
           <a:xfrm>
-            <a:off x="8992870" y="46673"/>
+            <a:off x="8984078" y="213678"/>
             <a:ext cx="1675130" cy="859790"/>
           </a:xfrm>
           <a:prstGeom prst="rect">
@@ -6524,7 +6037,7 @@
               <a:rPr lang="fr-CH" smtClean="0">
                 <a:latin typeface="Frutiger LT Pro 45 Light" panose="020B0403030504020204" pitchFamily="34" charset="0"/>
               </a:rPr>
-              <a:t>15.06.2017</a:t>
+              <a:t>16.06.2017</a:t>
             </a:fld>
             <a:endParaRPr lang="en-GB" dirty="0">
               <a:latin typeface="Frutiger LT Pro 45 Light" panose="020B0403030504020204" pitchFamily="34" charset="0"/>
@@ -6551,29 +6064,8 @@
               <a:rPr lang="en-GB" dirty="0">
                 <a:latin typeface="Frutiger LT Pro 45 Light" panose="020B0403030504020204" pitchFamily="34" charset="0"/>
               </a:rPr>
-              <a:t>APP CIIP - </a:t>
-            </a:r>
-            <a:r>
-              <a:rPr lang="en-GB" dirty="0" err="1">
-                <a:latin typeface="Frutiger LT Pro 45 Light" panose="020B0403030504020204" pitchFamily="34" charset="0"/>
-              </a:rPr>
-              <a:t>Projet</a:t>
-            </a:r>
-            <a:r>
-              <a:rPr lang="en-GB" dirty="0">
-                <a:latin typeface="Frutiger LT Pro 45 Light" panose="020B0403030504020204" pitchFamily="34" charset="0"/>
-              </a:rPr>
-              <a:t> </a:t>
-            </a:r>
-            <a:r>
-              <a:rPr lang="en-GB" dirty="0" err="1">
-                <a:latin typeface="Frutiger LT Pro 45 Light" panose="020B0403030504020204" pitchFamily="34" charset="0"/>
-              </a:rPr>
-              <a:t>d’approfondissement</a:t>
-            </a:r>
-            <a:endParaRPr lang="en-GB" dirty="0">
-              <a:latin typeface="Frutiger LT Pro 45 Light" panose="020B0403030504020204" pitchFamily="34" charset="0"/>
-            </a:endParaRPr>
+              <a:t>APP CIIP - Projet d’approfondissement</a:t>
+            </a:r>
           </a:p>
         </p:txBody>
       </p:sp>
@@ -6604,6 +6096,34 @@
           </a:p>
         </p:txBody>
       </p:sp>
+      <p:pic>
+        <p:nvPicPr>
+          <p:cNvPr id="12" name="Image 11"/>
+          <p:cNvPicPr/>
+          <p:nvPr/>
+        </p:nvPicPr>
+        <p:blipFill>
+          <a:blip r:embed="rId4" cstate="print">
+            <a:extLst>
+              <a:ext uri="{28A0092B-C50C-407E-A947-70E740481C1C}">
+                <a14:useLocalDpi xmlns:a14="http://schemas.microsoft.com/office/drawing/2010/main" val="0"/>
+              </a:ext>
+            </a:extLst>
+          </a:blip>
+          <a:stretch>
+            <a:fillRect/>
+          </a:stretch>
+        </p:blipFill>
+        <p:spPr>
+          <a:xfrm>
+            <a:off x="1915990" y="1709738"/>
+            <a:ext cx="2248535" cy="4291012"/>
+          </a:xfrm>
+          <a:prstGeom prst="rect">
+            <a:avLst/>
+          </a:prstGeom>
+        </p:spPr>
+      </p:pic>
     </p:spTree>
     <p:extLst>
       <p:ext uri="{BB962C8B-B14F-4D97-AF65-F5344CB8AC3E}">
@@ -6646,7 +6166,7 @@
         </p:nvSpPr>
         <p:spPr>
           <a:xfrm>
-            <a:off x="781439" y="1122364"/>
+            <a:off x="1524000" y="925025"/>
             <a:ext cx="3751385" cy="513006"/>
           </a:xfrm>
         </p:spPr>
@@ -6677,8 +6197,8 @@
         </p:nvSpPr>
         <p:spPr>
           <a:xfrm>
-            <a:off x="5196255" y="1370356"/>
-            <a:ext cx="5392615" cy="4135437"/>
+            <a:off x="4781550" y="1492006"/>
+            <a:ext cx="5886450" cy="4480169"/>
           </a:xfrm>
         </p:spPr>
         <p:txBody>
@@ -6844,7 +6364,7 @@
         </p:blipFill>
         <p:spPr>
           <a:xfrm>
-            <a:off x="8992870" y="46673"/>
+            <a:off x="8992870" y="213678"/>
             <a:ext cx="1675130" cy="859790"/>
           </a:xfrm>
           <a:prstGeom prst="rect">
@@ -6871,7 +6391,7 @@
               <a:rPr lang="fr-CH" smtClean="0">
                 <a:latin typeface="Frutiger LT Pro 45 Light" panose="020B0403030504020204" pitchFamily="34" charset="0"/>
               </a:rPr>
-              <a:t>15.06.2017</a:t>
+              <a:t>16.06.2017</a:t>
             </a:fld>
             <a:endParaRPr lang="en-GB" dirty="0">
               <a:latin typeface="Frutiger LT Pro 45 Light" panose="020B0403030504020204" pitchFamily="34" charset="0"/>
@@ -6898,29 +6418,8 @@
               <a:rPr lang="en-GB" dirty="0">
                 <a:latin typeface="Frutiger LT Pro 45 Light" panose="020B0403030504020204" pitchFamily="34" charset="0"/>
               </a:rPr>
-              <a:t>APP CIIP - </a:t>
-            </a:r>
-            <a:r>
-              <a:rPr lang="en-GB" dirty="0" err="1">
-                <a:latin typeface="Frutiger LT Pro 45 Light" panose="020B0403030504020204" pitchFamily="34" charset="0"/>
-              </a:rPr>
-              <a:t>Projet</a:t>
-            </a:r>
-            <a:r>
-              <a:rPr lang="en-GB" dirty="0">
-                <a:latin typeface="Frutiger LT Pro 45 Light" panose="020B0403030504020204" pitchFamily="34" charset="0"/>
-              </a:rPr>
-              <a:t> </a:t>
-            </a:r>
-            <a:r>
-              <a:rPr lang="en-GB" dirty="0" err="1">
-                <a:latin typeface="Frutiger LT Pro 45 Light" panose="020B0403030504020204" pitchFamily="34" charset="0"/>
-              </a:rPr>
-              <a:t>d’approfondissement</a:t>
-            </a:r>
-            <a:endParaRPr lang="en-GB" dirty="0">
-              <a:latin typeface="Frutiger LT Pro 45 Light" panose="020B0403030504020204" pitchFamily="34" charset="0"/>
-            </a:endParaRPr>
+              <a:t>APP CIIP - Projet d’approfondissement</a:t>
+            </a:r>
           </a:p>
         </p:txBody>
       </p:sp>
@@ -6951,6 +6450,34 @@
           </a:p>
         </p:txBody>
       </p:sp>
+      <p:pic>
+        <p:nvPicPr>
+          <p:cNvPr id="10" name="Image 9"/>
+          <p:cNvPicPr/>
+          <p:nvPr/>
+        </p:nvPicPr>
+        <p:blipFill>
+          <a:blip r:embed="rId4" cstate="print">
+            <a:extLst>
+              <a:ext uri="{28A0092B-C50C-407E-A947-70E740481C1C}">
+                <a14:useLocalDpi xmlns:a14="http://schemas.microsoft.com/office/drawing/2010/main" val="0"/>
+              </a:ext>
+            </a:extLst>
+          </a:blip>
+          <a:stretch>
+            <a:fillRect/>
+          </a:stretch>
+        </p:blipFill>
+        <p:spPr>
+          <a:xfrm>
+            <a:off x="1095227" y="1527419"/>
+            <a:ext cx="3575685" cy="4021991"/>
+          </a:xfrm>
+          <a:prstGeom prst="rect">
+            <a:avLst/>
+          </a:prstGeom>
+        </p:spPr>
+      </p:pic>
     </p:spTree>
     <p:extLst>
       <p:ext uri="{BB962C8B-B14F-4D97-AF65-F5344CB8AC3E}">
@@ -6993,8 +6520,8 @@
         </p:nvSpPr>
         <p:spPr>
           <a:xfrm>
-            <a:off x="781439" y="1122364"/>
-            <a:ext cx="3751385" cy="513006"/>
+            <a:off x="2079307" y="805100"/>
+            <a:ext cx="2651760" cy="513006"/>
           </a:xfrm>
         </p:spPr>
         <p:txBody>
@@ -7024,13 +6551,13 @@
         </p:nvSpPr>
         <p:spPr>
           <a:xfrm>
-            <a:off x="5196255" y="1370356"/>
-            <a:ext cx="5392615" cy="4135437"/>
+            <a:off x="6453553" y="1523258"/>
+            <a:ext cx="4484078" cy="4833092"/>
           </a:xfrm>
         </p:spPr>
         <p:txBody>
           <a:bodyPr>
-            <a:normAutofit/>
+            <a:normAutofit fontScale="77500" lnSpcReduction="20000"/>
           </a:bodyPr>
           <a:lstStyle/>
           <a:p>
@@ -7041,9 +6568,204 @@
               <a:buFont typeface="Arial" panose="020B0604020202020204" pitchFamily="34" charset="0"/>
               <a:buChar char="•"/>
             </a:pPr>
-            <a:endParaRPr lang="en-GB" sz="2000" dirty="0">
+            <a:r>
+              <a:rPr lang="fr-CH" sz="1800" dirty="0">
+                <a:latin typeface="Frutiger LT Pro 45 Light" panose="020B0403030504020204" pitchFamily="34" charset="0"/>
+              </a:rPr>
+              <a:t>Client Web</a:t>
+            </a:r>
+          </a:p>
+          <a:p>
+            <a:pPr marL="800100" lvl="1" indent="-342900" algn="l">
+              <a:lnSpc>
+                <a:spcPct val="150000"/>
+              </a:lnSpc>
+              <a:buFont typeface="Arial" panose="020B0604020202020204" pitchFamily="34" charset="0"/>
+              <a:buChar char="•"/>
+            </a:pPr>
+            <a:r>
+              <a:rPr lang="fr-CH" sz="1400" dirty="0">
+                <a:latin typeface="Frutiger LT Pro 45 Light" panose="020B0403030504020204" pitchFamily="34" charset="0"/>
+              </a:rPr>
+              <a:t>Introduction des manifestations/vacances</a:t>
+            </a:r>
+          </a:p>
+          <a:p>
+            <a:pPr marL="800100" lvl="1" indent="-342900" algn="l">
+              <a:lnSpc>
+                <a:spcPct val="150000"/>
+              </a:lnSpc>
+              <a:buFont typeface="Arial" panose="020B0604020202020204" pitchFamily="34" charset="0"/>
+              <a:buChar char="•"/>
+            </a:pPr>
+            <a:endParaRPr lang="fr-CH" sz="1400" dirty="0">
               <a:latin typeface="Frutiger LT Pro 45 Light" panose="020B0403030504020204" pitchFamily="34" charset="0"/>
             </a:endParaRPr>
+          </a:p>
+          <a:p>
+            <a:pPr marL="342900" indent="-342900" algn="l">
+              <a:lnSpc>
+                <a:spcPct val="150000"/>
+              </a:lnSpc>
+              <a:buFont typeface="Arial" panose="020B0604020202020204" pitchFamily="34" charset="0"/>
+              <a:buChar char="•"/>
+            </a:pPr>
+            <a:r>
+              <a:rPr lang="fr-CH" sz="1800" dirty="0">
+                <a:latin typeface="Frutiger LT Pro 45 Light" panose="020B0403030504020204" pitchFamily="34" charset="0"/>
+              </a:rPr>
+              <a:t>Client Android</a:t>
+            </a:r>
+          </a:p>
+          <a:p>
+            <a:pPr marL="800100" lvl="1" indent="-342900" algn="l">
+              <a:lnSpc>
+                <a:spcPct val="150000"/>
+              </a:lnSpc>
+              <a:buFont typeface="Arial" panose="020B0604020202020204" pitchFamily="34" charset="0"/>
+              <a:buChar char="•"/>
+            </a:pPr>
+            <a:r>
+              <a:rPr lang="fr-CH" sz="1400" dirty="0">
+                <a:latin typeface="Frutiger LT Pro 45 Light" panose="020B0403030504020204" pitchFamily="34" charset="0"/>
+              </a:rPr>
+              <a:t>Récupération des manifestations/vacances</a:t>
+            </a:r>
+          </a:p>
+          <a:p>
+            <a:pPr marL="800100" lvl="1" indent="-342900" algn="l">
+              <a:lnSpc>
+                <a:spcPct val="150000"/>
+              </a:lnSpc>
+              <a:buFont typeface="Arial" panose="020B0604020202020204" pitchFamily="34" charset="0"/>
+              <a:buChar char="•"/>
+            </a:pPr>
+            <a:r>
+              <a:rPr lang="fr-CH" sz="1400" dirty="0">
+                <a:latin typeface="Frutiger LT Pro 45 Light" panose="020B0403030504020204" pitchFamily="34" charset="0"/>
+              </a:rPr>
+              <a:t>Mise en forme des données</a:t>
+            </a:r>
+          </a:p>
+          <a:p>
+            <a:pPr marL="800100" lvl="1" indent="-342900" algn="l">
+              <a:lnSpc>
+                <a:spcPct val="150000"/>
+              </a:lnSpc>
+              <a:buFont typeface="Arial" panose="020B0604020202020204" pitchFamily="34" charset="0"/>
+              <a:buChar char="•"/>
+            </a:pPr>
+            <a:endParaRPr lang="fr-CH" sz="1400" dirty="0">
+              <a:latin typeface="Frutiger LT Pro 45 Light" panose="020B0403030504020204" pitchFamily="34" charset="0"/>
+            </a:endParaRPr>
+          </a:p>
+          <a:p>
+            <a:pPr marL="342900" indent="-342900" algn="l">
+              <a:lnSpc>
+                <a:spcPct val="150000"/>
+              </a:lnSpc>
+              <a:buFont typeface="Arial" panose="020B0604020202020204" pitchFamily="34" charset="0"/>
+              <a:buChar char="•"/>
+            </a:pPr>
+            <a:r>
+              <a:rPr lang="fr-CH" sz="1800" dirty="0">
+                <a:latin typeface="Frutiger LT Pro 45 Light" panose="020B0403030504020204" pitchFamily="34" charset="0"/>
+              </a:rPr>
+              <a:t>Serveur REST</a:t>
+            </a:r>
+          </a:p>
+          <a:p>
+            <a:pPr marL="800100" lvl="1" indent="-342900" algn="l">
+              <a:lnSpc>
+                <a:spcPct val="150000"/>
+              </a:lnSpc>
+              <a:buFont typeface="Arial" panose="020B0604020202020204" pitchFamily="34" charset="0"/>
+              <a:buChar char="•"/>
+            </a:pPr>
+            <a:r>
+              <a:rPr lang="fr-CH" sz="1400" dirty="0">
+                <a:latin typeface="Frutiger LT Pro 45 Light" panose="020B0403030504020204" pitchFamily="34" charset="0"/>
+              </a:rPr>
+              <a:t>Ecoute les connexions entrantes</a:t>
+            </a:r>
+          </a:p>
+          <a:p>
+            <a:pPr marL="800100" lvl="1" indent="-342900" algn="l">
+              <a:lnSpc>
+                <a:spcPct val="150000"/>
+              </a:lnSpc>
+              <a:buFont typeface="Arial" panose="020B0604020202020204" pitchFamily="34" charset="0"/>
+              <a:buChar char="•"/>
+            </a:pPr>
+            <a:r>
+              <a:rPr lang="fr-CH" sz="1400" dirty="0">
+                <a:latin typeface="Frutiger LT Pro 45 Light" panose="020B0403030504020204" pitchFamily="34" charset="0"/>
+              </a:rPr>
+              <a:t>Reçoit les données via le protocole HTTP, méthode POST </a:t>
+            </a:r>
+          </a:p>
+          <a:p>
+            <a:pPr marL="800100" lvl="1" indent="-342900" algn="l">
+              <a:lnSpc>
+                <a:spcPct val="150000"/>
+              </a:lnSpc>
+              <a:buFont typeface="Arial" panose="020B0604020202020204" pitchFamily="34" charset="0"/>
+              <a:buChar char="•"/>
+            </a:pPr>
+            <a:r>
+              <a:rPr lang="fr-CH" sz="1400" dirty="0">
+                <a:latin typeface="Frutiger LT Pro 45 Light" panose="020B0403030504020204" pitchFamily="34" charset="0"/>
+              </a:rPr>
+              <a:t>Transmets les résultats au format JSON</a:t>
+            </a:r>
+          </a:p>
+          <a:p>
+            <a:pPr marL="800100" lvl="1" indent="-342900" algn="l">
+              <a:lnSpc>
+                <a:spcPct val="150000"/>
+              </a:lnSpc>
+              <a:buFont typeface="Arial" panose="020B0604020202020204" pitchFamily="34" charset="0"/>
+              <a:buChar char="•"/>
+            </a:pPr>
+            <a:endParaRPr lang="fr-CH" sz="1800" dirty="0">
+              <a:latin typeface="Frutiger LT Pro 45 Light" panose="020B0403030504020204" pitchFamily="34" charset="0"/>
+            </a:endParaRPr>
+          </a:p>
+          <a:p>
+            <a:pPr marL="342900" indent="-342900" algn="l">
+              <a:lnSpc>
+                <a:spcPct val="150000"/>
+              </a:lnSpc>
+              <a:buFont typeface="Arial" panose="020B0604020202020204" pitchFamily="34" charset="0"/>
+              <a:buChar char="•"/>
+            </a:pPr>
+            <a:r>
+              <a:rPr lang="fr-CH" sz="1800" dirty="0">
+                <a:latin typeface="Frutiger LT Pro 45 Light" panose="020B0403030504020204" pitchFamily="34" charset="0"/>
+              </a:rPr>
+              <a:t>Base de données</a:t>
+            </a:r>
+          </a:p>
+          <a:p>
+            <a:pPr marL="800100" lvl="1" indent="-342900" algn="l">
+              <a:lnSpc>
+                <a:spcPct val="150000"/>
+              </a:lnSpc>
+              <a:buFont typeface="Arial" panose="020B0604020202020204" pitchFamily="34" charset="0"/>
+              <a:buChar char="•"/>
+            </a:pPr>
+            <a:r>
+              <a:rPr lang="fr-CH" sz="1400" dirty="0">
+                <a:latin typeface="Frutiger LT Pro 45 Light" panose="020B0403030504020204" pitchFamily="34" charset="0"/>
+              </a:rPr>
+              <a:t>Stocke les données pour la </a:t>
+            </a:r>
+            <a:r>
+              <a:rPr lang="en-GB" sz="1400" dirty="0">
+                <a:latin typeface="Frutiger LT Pro 45 Light" panose="020B0403030504020204" pitchFamily="34" charset="0"/>
+              </a:rPr>
+              <a:t>persistence</a:t>
+            </a:r>
           </a:p>
         </p:txBody>
       </p:sp>
@@ -7095,7 +6817,7 @@
         </p:blipFill>
         <p:spPr>
           <a:xfrm>
-            <a:off x="8992870" y="46673"/>
+            <a:off x="9045624" y="201813"/>
             <a:ext cx="1675130" cy="859790"/>
           </a:xfrm>
           <a:prstGeom prst="rect">
@@ -7122,7 +6844,7 @@
               <a:rPr lang="fr-CH" smtClean="0">
                 <a:latin typeface="Frutiger LT Pro 45 Light" panose="020B0403030504020204" pitchFamily="34" charset="0"/>
               </a:rPr>
-              <a:t>15.06.2017</a:t>
+              <a:t>16.06.2017</a:t>
             </a:fld>
             <a:endParaRPr lang="en-GB" dirty="0">
               <a:latin typeface="Frutiger LT Pro 45 Light" panose="020B0403030504020204" pitchFamily="34" charset="0"/>
@@ -7149,29 +6871,8 @@
               <a:rPr lang="en-GB" dirty="0">
                 <a:latin typeface="Frutiger LT Pro 45 Light" panose="020B0403030504020204" pitchFamily="34" charset="0"/>
               </a:rPr>
-              <a:t>APP CIIP - </a:t>
-            </a:r>
-            <a:r>
-              <a:rPr lang="en-GB" dirty="0" err="1">
-                <a:latin typeface="Frutiger LT Pro 45 Light" panose="020B0403030504020204" pitchFamily="34" charset="0"/>
-              </a:rPr>
-              <a:t>Projet</a:t>
-            </a:r>
-            <a:r>
-              <a:rPr lang="en-GB" dirty="0">
-                <a:latin typeface="Frutiger LT Pro 45 Light" panose="020B0403030504020204" pitchFamily="34" charset="0"/>
-              </a:rPr>
-              <a:t> </a:t>
-            </a:r>
-            <a:r>
-              <a:rPr lang="en-GB" dirty="0" err="1">
-                <a:latin typeface="Frutiger LT Pro 45 Light" panose="020B0403030504020204" pitchFamily="34" charset="0"/>
-              </a:rPr>
-              <a:t>d’approfondissement</a:t>
-            </a:r>
-            <a:endParaRPr lang="en-GB" dirty="0">
-              <a:latin typeface="Frutiger LT Pro 45 Light" panose="020B0403030504020204" pitchFamily="34" charset="0"/>
-            </a:endParaRPr>
+              <a:t>APP CIIP - Projet d’approfondissement</a:t>
+            </a:r>
           </a:p>
         </p:txBody>
       </p:sp>
@@ -7204,7 +6905,7 @@
       </p:sp>
       <p:pic>
         <p:nvPicPr>
-          <p:cNvPr id="10" name="Image 9"/>
+          <p:cNvPr id="11" name="Image 10"/>
           <p:cNvPicPr/>
           <p:nvPr/>
         </p:nvPicPr>
@@ -7222,8 +6923,8 @@
         </p:blipFill>
         <p:spPr>
           <a:xfrm>
-            <a:off x="2705101" y="1756569"/>
-            <a:ext cx="7962899" cy="3953217"/>
+            <a:off x="838200" y="1627046"/>
+            <a:ext cx="5133975" cy="4111424"/>
           </a:xfrm>
           <a:prstGeom prst="rect">
             <a:avLst/>
@@ -7272,7 +6973,7 @@
         </p:nvSpPr>
         <p:spPr>
           <a:xfrm>
-            <a:off x="781439" y="1122364"/>
+            <a:off x="2029558" y="906463"/>
             <a:ext cx="3751385" cy="513006"/>
           </a:xfrm>
         </p:spPr>
@@ -7303,13 +7004,13 @@
         </p:nvSpPr>
         <p:spPr>
           <a:xfrm>
-            <a:off x="5196255" y="1370356"/>
-            <a:ext cx="5392615" cy="4135437"/>
+            <a:off x="3238155" y="1563689"/>
+            <a:ext cx="8394068" cy="4212858"/>
           </a:xfrm>
         </p:spPr>
         <p:txBody>
           <a:bodyPr>
-            <a:normAutofit/>
+            <a:normAutofit fontScale="85000" lnSpcReduction="20000"/>
           </a:bodyPr>
           <a:lstStyle/>
           <a:p>
@@ -7321,10 +7022,10 @@
               <a:buChar char="•"/>
             </a:pPr>
             <a:r>
-              <a:rPr lang="fr-CH" sz="2000" dirty="0">
-                <a:latin typeface="Frutiger LT Pro 45 Light" panose="020B0403030504020204" pitchFamily="34" charset="0"/>
-              </a:rPr>
-              <a:t>Java, JSON</a:t>
+              <a:rPr lang="fr-CH" sz="1600" dirty="0">
+                <a:latin typeface="Frutiger LT Pro 45 Light" panose="020B0403030504020204" pitchFamily="34" charset="0"/>
+              </a:rPr>
+              <a:t>Java : langage orienté objet, excellente portabilité, JDK très riche</a:t>
             </a:r>
           </a:p>
           <a:p>
@@ -7336,10 +7037,10 @@
               <a:buChar char="•"/>
             </a:pPr>
             <a:r>
-              <a:rPr lang="fr-CH" sz="2000" dirty="0">
-                <a:latin typeface="Frutiger LT Pro 45 Light" panose="020B0403030504020204" pitchFamily="34" charset="0"/>
-              </a:rPr>
-              <a:t>Client-Serveur</a:t>
+              <a:rPr lang="fr-CH" sz="1600" dirty="0">
+                <a:latin typeface="Frutiger LT Pro 45 Light" panose="020B0403030504020204" pitchFamily="34" charset="0"/>
+              </a:rPr>
+              <a:t>JSON : format d'échange de données ouvert, léger et efficace</a:t>
             </a:r>
           </a:p>
           <a:p>
@@ -7351,12 +7052,141 @@
               <a:buChar char="•"/>
             </a:pPr>
             <a:r>
-              <a:rPr lang="fr-CH" sz="2000" dirty="0" err="1">
-                <a:latin typeface="Frutiger LT Pro 45 Light" panose="020B0403030504020204" pitchFamily="34" charset="0"/>
-              </a:rPr>
-              <a:t>Tomcat</a:t>
-            </a:r>
-            <a:endParaRPr lang="fr-CH" sz="2000" dirty="0">
+              <a:rPr lang="fr-CH" sz="1600" dirty="0">
+                <a:latin typeface="Frutiger LT Pro 45 Light" panose="020B0403030504020204" pitchFamily="34" charset="0"/>
+              </a:rPr>
+              <a:t>Client-Serveur :  traitement centralisée, réseau évolutif</a:t>
+            </a:r>
+          </a:p>
+          <a:p>
+            <a:pPr marL="342900" indent="-342900" algn="l">
+              <a:lnSpc>
+                <a:spcPct val="150000"/>
+              </a:lnSpc>
+              <a:buFont typeface="Arial" panose="020B0604020202020204" pitchFamily="34" charset="0"/>
+              <a:buChar char="•"/>
+            </a:pPr>
+            <a:r>
+              <a:rPr lang="fr-CH" sz="1600" dirty="0">
+                <a:latin typeface="Frutiger LT Pro 45 Light" panose="020B0403030504020204" pitchFamily="34" charset="0"/>
+              </a:rPr>
+              <a:t>Apache Tomcat : </a:t>
+            </a:r>
+            <a:r>
+              <a:rPr lang="en-GB" sz="1600" dirty="0" err="1">
+                <a:latin typeface="Frutiger LT Pro 45 Light" panose="020B0403030504020204" pitchFamily="34" charset="0"/>
+              </a:rPr>
+              <a:t>gestion</a:t>
+            </a:r>
+            <a:r>
+              <a:rPr lang="en-GB" sz="1600" dirty="0">
+                <a:latin typeface="Frutiger LT Pro 45 Light" panose="020B0403030504020204" pitchFamily="34" charset="0"/>
+              </a:rPr>
+              <a:t> des Java Servlets, JSP. </a:t>
+            </a:r>
+            <a:r>
+              <a:rPr lang="fr-CH" sz="1600" dirty="0">
+                <a:latin typeface="Frutiger LT Pro 45 Light" panose="020B0403030504020204" pitchFamily="34" charset="0"/>
+              </a:rPr>
+              <a:t>Leger et facilement intégrable</a:t>
+            </a:r>
+          </a:p>
+          <a:p>
+            <a:pPr marL="342900" indent="-342900" algn="l">
+              <a:lnSpc>
+                <a:spcPct val="150000"/>
+              </a:lnSpc>
+              <a:buFont typeface="Arial" panose="020B0604020202020204" pitchFamily="34" charset="0"/>
+              <a:buChar char="•"/>
+            </a:pPr>
+            <a:r>
+              <a:rPr lang="fr-CH" sz="1600" dirty="0">
+                <a:latin typeface="Frutiger LT Pro 45 Light" panose="020B0403030504020204" pitchFamily="34" charset="0"/>
+              </a:rPr>
+              <a:t>Architecture REST : repose sur les principes du web, représentations multiples, standardisé, indépendant de la plateforme</a:t>
+            </a:r>
+          </a:p>
+          <a:p>
+            <a:pPr marL="342900" indent="-342900" algn="l">
+              <a:lnSpc>
+                <a:spcPct val="150000"/>
+              </a:lnSpc>
+              <a:buFont typeface="Arial" panose="020B0604020202020204" pitchFamily="34" charset="0"/>
+              <a:buChar char="•"/>
+            </a:pPr>
+            <a:r>
+              <a:rPr lang="fr-CH" sz="1600" dirty="0">
+                <a:latin typeface="Frutiger LT Pro 45 Light" panose="020B0403030504020204" pitchFamily="34" charset="0"/>
+              </a:rPr>
+              <a:t>JAX-RS, Jersey : mise en œuvre de service web REST, </a:t>
+            </a:r>
+            <a:r>
+              <a:rPr lang="fr-CH" sz="1600" dirty="0" err="1">
+                <a:latin typeface="Frutiger LT Pro 45 Light" panose="020B0403030504020204" pitchFamily="34" charset="0"/>
+              </a:rPr>
+              <a:t>mapping</a:t>
+            </a:r>
+            <a:r>
+              <a:rPr lang="fr-CH" sz="1600" dirty="0">
+                <a:latin typeface="Frutiger LT Pro 45 Light" panose="020B0403030504020204" pitchFamily="34" charset="0"/>
+              </a:rPr>
+              <a:t> direct des objets Java, échange de données facilité</a:t>
+            </a:r>
+          </a:p>
+          <a:p>
+            <a:pPr marL="342900" indent="-342900" algn="l">
+              <a:lnSpc>
+                <a:spcPct val="150000"/>
+              </a:lnSpc>
+              <a:buFont typeface="Arial" panose="020B0604020202020204" pitchFamily="34" charset="0"/>
+              <a:buChar char="•"/>
+            </a:pPr>
+            <a:r>
+              <a:rPr lang="fr-CH" sz="1600" dirty="0">
+                <a:latin typeface="Frutiger LT Pro 45 Light" panose="020B0403030504020204" pitchFamily="34" charset="0"/>
+              </a:rPr>
+              <a:t>Android : plateforme de développement ouverte, système d’exploitation polyvalent</a:t>
+            </a:r>
+          </a:p>
+          <a:p>
+            <a:pPr marL="342900" indent="-342900" algn="l">
+              <a:lnSpc>
+                <a:spcPct val="150000"/>
+              </a:lnSpc>
+              <a:buFont typeface="Arial" panose="020B0604020202020204" pitchFamily="34" charset="0"/>
+              <a:buChar char="•"/>
+            </a:pPr>
+            <a:r>
+              <a:rPr lang="fr-CH" sz="1600" dirty="0">
+                <a:latin typeface="Frutiger LT Pro 45 Light" panose="020B0403030504020204" pitchFamily="34" charset="0"/>
+              </a:rPr>
+              <a:t>MySQL : rapide, sécurisé, portable, facilité de déploiement et de prise en main</a:t>
+            </a:r>
+          </a:p>
+          <a:p>
+            <a:pPr marL="342900" indent="-342900" algn="l">
+              <a:lnSpc>
+                <a:spcPct val="150000"/>
+              </a:lnSpc>
+              <a:buFont typeface="Arial" panose="020B0604020202020204" pitchFamily="34" charset="0"/>
+              <a:buChar char="•"/>
+            </a:pPr>
+            <a:r>
+              <a:rPr lang="fr-CH" sz="1600" dirty="0">
+                <a:latin typeface="Frutiger LT Pro 45 Light" panose="020B0403030504020204" pitchFamily="34" charset="0"/>
+              </a:rPr>
+              <a:t>Android Studio &amp; Eclipse : IDE souples et performants, système de plugins</a:t>
+            </a:r>
+          </a:p>
+          <a:p>
+            <a:pPr marL="342900" indent="-342900" algn="l">
+              <a:lnSpc>
+                <a:spcPct val="150000"/>
+              </a:lnSpc>
+              <a:buFont typeface="Arial" panose="020B0604020202020204" pitchFamily="34" charset="0"/>
+              <a:buChar char="•"/>
+            </a:pPr>
+            <a:endParaRPr lang="fr-CH" sz="1600" dirty="0">
               <a:latin typeface="Frutiger LT Pro 45 Light" panose="020B0403030504020204" pitchFamily="34" charset="0"/>
             </a:endParaRPr>
           </a:p>
@@ -7368,67 +7198,7 @@
               <a:buFont typeface="Arial" panose="020B0604020202020204" pitchFamily="34" charset="0"/>
               <a:buChar char="•"/>
             </a:pPr>
-            <a:r>
-              <a:rPr lang="fr-CH" sz="2000" dirty="0">
-                <a:latin typeface="Frutiger LT Pro 45 Light" panose="020B0403030504020204" pitchFamily="34" charset="0"/>
-              </a:rPr>
-              <a:t>REST</a:t>
-            </a:r>
-          </a:p>
-          <a:p>
-            <a:pPr marL="342900" indent="-342900" algn="l">
-              <a:lnSpc>
-                <a:spcPct val="150000"/>
-              </a:lnSpc>
-              <a:buFont typeface="Arial" panose="020B0604020202020204" pitchFamily="34" charset="0"/>
-              <a:buChar char="•"/>
-            </a:pPr>
-            <a:r>
-              <a:rPr lang="fr-CH" sz="2000" dirty="0">
-                <a:latin typeface="Frutiger LT Pro 45 Light" panose="020B0403030504020204" pitchFamily="34" charset="0"/>
-              </a:rPr>
-              <a:t>JAX-RS </a:t>
-            </a:r>
-          </a:p>
-          <a:p>
-            <a:pPr marL="342900" indent="-342900" algn="l">
-              <a:lnSpc>
-                <a:spcPct val="150000"/>
-              </a:lnSpc>
-              <a:buFont typeface="Arial" panose="020B0604020202020204" pitchFamily="34" charset="0"/>
-              <a:buChar char="•"/>
-            </a:pPr>
-            <a:r>
-              <a:rPr lang="fr-CH" sz="2000" dirty="0">
-                <a:latin typeface="Frutiger LT Pro 45 Light" panose="020B0403030504020204" pitchFamily="34" charset="0"/>
-              </a:rPr>
-              <a:t>Android</a:t>
-            </a:r>
-          </a:p>
-          <a:p>
-            <a:pPr marL="342900" indent="-342900" algn="l">
-              <a:lnSpc>
-                <a:spcPct val="150000"/>
-              </a:lnSpc>
-              <a:buFont typeface="Arial" panose="020B0604020202020204" pitchFamily="34" charset="0"/>
-              <a:buChar char="•"/>
-            </a:pPr>
-            <a:r>
-              <a:rPr lang="fr-CH" sz="2000" dirty="0">
-                <a:latin typeface="Frutiger LT Pro 45 Light" panose="020B0403030504020204" pitchFamily="34" charset="0"/>
-              </a:rPr>
-              <a:t>Eclipse, MySQL, Android Studio</a:t>
-            </a:r>
-          </a:p>
-          <a:p>
-            <a:pPr marL="342900" indent="-342900" algn="l">
-              <a:lnSpc>
-                <a:spcPct val="150000"/>
-              </a:lnSpc>
-              <a:buFont typeface="Arial" panose="020B0604020202020204" pitchFamily="34" charset="0"/>
-              <a:buChar char="•"/>
-            </a:pPr>
-            <a:endParaRPr lang="fr-CH" sz="2000" dirty="0">
+            <a:endParaRPr lang="fr-CH" sz="1600" dirty="0">
               <a:latin typeface="Frutiger LT Pro 45 Light" panose="020B0403030504020204" pitchFamily="34" charset="0"/>
             </a:endParaRPr>
           </a:p>
@@ -7482,7 +7252,7 @@
         </p:blipFill>
         <p:spPr>
           <a:xfrm>
-            <a:off x="8992870" y="46673"/>
+            <a:off x="9144635" y="213678"/>
             <a:ext cx="1675130" cy="859790"/>
           </a:xfrm>
           <a:prstGeom prst="rect">
@@ -7509,7 +7279,7 @@
               <a:rPr lang="fr-CH" smtClean="0">
                 <a:latin typeface="Frutiger LT Pro 45 Light" panose="020B0403030504020204" pitchFamily="34" charset="0"/>
               </a:rPr>
-              <a:t>15.06.2017</a:t>
+              <a:t>16.06.2017</a:t>
             </a:fld>
             <a:endParaRPr lang="en-GB" dirty="0">
               <a:latin typeface="Frutiger LT Pro 45 Light" panose="020B0403030504020204" pitchFamily="34" charset="0"/>
@@ -7536,29 +7306,8 @@
               <a:rPr lang="en-GB" dirty="0">
                 <a:latin typeface="Frutiger LT Pro 45 Light" panose="020B0403030504020204" pitchFamily="34" charset="0"/>
               </a:rPr>
-              <a:t>APP CIIP - </a:t>
-            </a:r>
-            <a:r>
-              <a:rPr lang="en-GB" dirty="0" err="1">
-                <a:latin typeface="Frutiger LT Pro 45 Light" panose="020B0403030504020204" pitchFamily="34" charset="0"/>
-              </a:rPr>
-              <a:t>Projet</a:t>
-            </a:r>
-            <a:r>
-              <a:rPr lang="en-GB" dirty="0">
-                <a:latin typeface="Frutiger LT Pro 45 Light" panose="020B0403030504020204" pitchFamily="34" charset="0"/>
-              </a:rPr>
-              <a:t> </a:t>
-            </a:r>
-            <a:r>
-              <a:rPr lang="en-GB" dirty="0" err="1">
-                <a:latin typeface="Frutiger LT Pro 45 Light" panose="020B0403030504020204" pitchFamily="34" charset="0"/>
-              </a:rPr>
-              <a:t>d’approfondissement</a:t>
-            </a:r>
-            <a:endParaRPr lang="en-GB" dirty="0">
-              <a:latin typeface="Frutiger LT Pro 45 Light" panose="020B0403030504020204" pitchFamily="34" charset="0"/>
-            </a:endParaRPr>
+              <a:t>APP CIIP - Projet d’approfondissement</a:t>
+            </a:r>
           </a:p>
         </p:txBody>
       </p:sp>
@@ -7589,6 +7338,186 @@
           </a:p>
         </p:txBody>
       </p:sp>
+      <p:pic>
+        <p:nvPicPr>
+          <p:cNvPr id="6" name="Image 5"/>
+          <p:cNvPicPr>
+            <a:picLocks noChangeAspect="1"/>
+          </p:cNvPicPr>
+          <p:nvPr/>
+        </p:nvPicPr>
+        <p:blipFill>
+          <a:blip r:embed="rId4">
+            <a:extLst>
+              <a:ext uri="{28A0092B-C50C-407E-A947-70E740481C1C}">
+                <a14:useLocalDpi xmlns:a14="http://schemas.microsoft.com/office/drawing/2010/main" val="0"/>
+              </a:ext>
+            </a:extLst>
+          </a:blip>
+          <a:stretch>
+            <a:fillRect/>
+          </a:stretch>
+        </p:blipFill>
+        <p:spPr>
+          <a:xfrm>
+            <a:off x="781439" y="1851271"/>
+            <a:ext cx="705151" cy="1312862"/>
+          </a:xfrm>
+          <a:prstGeom prst="rect">
+            <a:avLst/>
+          </a:prstGeom>
+        </p:spPr>
+      </p:pic>
+      <p:pic>
+        <p:nvPicPr>
+          <p:cNvPr id="10" name="Image 9"/>
+          <p:cNvPicPr>
+            <a:picLocks noChangeAspect="1"/>
+          </p:cNvPicPr>
+          <p:nvPr/>
+        </p:nvPicPr>
+        <p:blipFill>
+          <a:blip r:embed="rId5">
+            <a:extLst>
+              <a:ext uri="{28A0092B-C50C-407E-A947-70E740481C1C}">
+                <a14:useLocalDpi xmlns:a14="http://schemas.microsoft.com/office/drawing/2010/main" val="0"/>
+              </a:ext>
+            </a:extLst>
+          </a:blip>
+          <a:stretch>
+            <a:fillRect/>
+          </a:stretch>
+        </p:blipFill>
+        <p:spPr>
+          <a:xfrm>
+            <a:off x="1848195" y="1851272"/>
+            <a:ext cx="1028355" cy="637366"/>
+          </a:xfrm>
+          <a:prstGeom prst="rect">
+            <a:avLst/>
+          </a:prstGeom>
+        </p:spPr>
+      </p:pic>
+      <p:pic>
+        <p:nvPicPr>
+          <p:cNvPr id="11" name="Image 10"/>
+          <p:cNvPicPr>
+            <a:picLocks noChangeAspect="1"/>
+          </p:cNvPicPr>
+          <p:nvPr/>
+        </p:nvPicPr>
+        <p:blipFill>
+          <a:blip r:embed="rId6">
+            <a:extLst>
+              <a:ext uri="{28A0092B-C50C-407E-A947-70E740481C1C}">
+                <a14:useLocalDpi xmlns:a14="http://schemas.microsoft.com/office/drawing/2010/main" val="0"/>
+              </a:ext>
+            </a:extLst>
+          </a:blip>
+          <a:stretch>
+            <a:fillRect/>
+          </a:stretch>
+        </p:blipFill>
+        <p:spPr>
+          <a:xfrm>
+            <a:off x="1848195" y="3022994"/>
+            <a:ext cx="1323458" cy="882305"/>
+          </a:xfrm>
+          <a:prstGeom prst="rect">
+            <a:avLst/>
+          </a:prstGeom>
+        </p:spPr>
+      </p:pic>
+      <p:pic>
+        <p:nvPicPr>
+          <p:cNvPr id="12" name="Image 11"/>
+          <p:cNvPicPr>
+            <a:picLocks noChangeAspect="1"/>
+          </p:cNvPicPr>
+          <p:nvPr/>
+        </p:nvPicPr>
+        <p:blipFill>
+          <a:blip r:embed="rId7">
+            <a:extLst>
+              <a:ext uri="{28A0092B-C50C-407E-A947-70E740481C1C}">
+                <a14:useLocalDpi xmlns:a14="http://schemas.microsoft.com/office/drawing/2010/main" val="0"/>
+              </a:ext>
+            </a:extLst>
+          </a:blip>
+          <a:stretch>
+            <a:fillRect/>
+          </a:stretch>
+        </p:blipFill>
+        <p:spPr>
+          <a:xfrm>
+            <a:off x="334107" y="3806669"/>
+            <a:ext cx="1152483" cy="768322"/>
+          </a:xfrm>
+          <a:prstGeom prst="rect">
+            <a:avLst/>
+          </a:prstGeom>
+        </p:spPr>
+      </p:pic>
+      <p:pic>
+        <p:nvPicPr>
+          <p:cNvPr id="14" name="Image 13"/>
+          <p:cNvPicPr>
+            <a:picLocks noChangeAspect="1"/>
+          </p:cNvPicPr>
+          <p:nvPr/>
+        </p:nvPicPr>
+        <p:blipFill>
+          <a:blip r:embed="rId8">
+            <a:extLst>
+              <a:ext uri="{28A0092B-C50C-407E-A947-70E740481C1C}">
+                <a14:useLocalDpi xmlns:a14="http://schemas.microsoft.com/office/drawing/2010/main" val="0"/>
+              </a:ext>
+            </a:extLst>
+          </a:blip>
+          <a:stretch>
+            <a:fillRect/>
+          </a:stretch>
+        </p:blipFill>
+        <p:spPr>
+          <a:xfrm>
+            <a:off x="1864184" y="4439655"/>
+            <a:ext cx="924953" cy="651671"/>
+          </a:xfrm>
+          <a:prstGeom prst="rect">
+            <a:avLst/>
+          </a:prstGeom>
+        </p:spPr>
+      </p:pic>
+      <p:pic>
+        <p:nvPicPr>
+          <p:cNvPr id="15" name="Image 14"/>
+          <p:cNvPicPr>
+            <a:picLocks noChangeAspect="1"/>
+          </p:cNvPicPr>
+          <p:nvPr/>
+        </p:nvPicPr>
+        <p:blipFill>
+          <a:blip r:embed="rId9">
+            <a:extLst>
+              <a:ext uri="{28A0092B-C50C-407E-A947-70E740481C1C}">
+                <a14:useLocalDpi xmlns:a14="http://schemas.microsoft.com/office/drawing/2010/main" val="0"/>
+              </a:ext>
+            </a:extLst>
+          </a:blip>
+          <a:stretch>
+            <a:fillRect/>
+          </a:stretch>
+        </p:blipFill>
+        <p:spPr>
+          <a:xfrm>
+            <a:off x="457200" y="5533338"/>
+            <a:ext cx="1562100" cy="367553"/>
+          </a:xfrm>
+          <a:prstGeom prst="rect">
+            <a:avLst/>
+          </a:prstGeom>
+        </p:spPr>
+      </p:pic>
     </p:spTree>
     <p:extLst>
       <p:ext uri="{BB962C8B-B14F-4D97-AF65-F5344CB8AC3E}">
@@ -7631,8 +7560,8 @@
         </p:nvSpPr>
         <p:spPr>
           <a:xfrm>
-            <a:off x="781439" y="1122364"/>
-            <a:ext cx="3751385" cy="513006"/>
+            <a:off x="2311350" y="824743"/>
+            <a:ext cx="4426488" cy="513006"/>
           </a:xfrm>
         </p:spPr>
         <p:txBody>
@@ -7645,7 +7574,7 @@
               <a:rPr lang="fr-CH" sz="2400" dirty="0">
                 <a:latin typeface="Frutiger LT Pro 45 Light" panose="020B0403030504020204" pitchFamily="34" charset="0"/>
               </a:rPr>
-              <a:t>Gestion du projet</a:t>
+              <a:t>Implémentation : Partie Serveur</a:t>
             </a:r>
           </a:p>
         </p:txBody>
@@ -7662,16 +7591,61 @@
         </p:nvSpPr>
         <p:spPr>
           <a:xfrm>
-            <a:off x="5275385" y="1836348"/>
-            <a:ext cx="5392615" cy="4135437"/>
+            <a:off x="5495192" y="1739633"/>
+            <a:ext cx="5858607" cy="4318267"/>
           </a:xfrm>
         </p:spPr>
         <p:txBody>
           <a:bodyPr>
-            <a:normAutofit/>
+            <a:normAutofit fontScale="70000" lnSpcReduction="20000"/>
           </a:bodyPr>
           <a:lstStyle/>
           <a:p>
+            <a:pPr marL="285750" indent="-285750" algn="l">
+              <a:lnSpc>
+                <a:spcPct val="150000"/>
+              </a:lnSpc>
+              <a:buFont typeface="Arial" panose="020B0604020202020204" pitchFamily="34" charset="0"/>
+              <a:buChar char="•"/>
+            </a:pPr>
+            <a:r>
+              <a:rPr lang="fr-CH" sz="1400" dirty="0">
+                <a:latin typeface="Frutiger LT Pro 45 Light" panose="020B0403030504020204" pitchFamily="34" charset="0"/>
+              </a:rPr>
+              <a:t>Design pattern</a:t>
+            </a:r>
+          </a:p>
+          <a:p>
+            <a:pPr marL="742950" lvl="1" indent="-285750" algn="l">
+              <a:lnSpc>
+                <a:spcPct val="150000"/>
+              </a:lnSpc>
+              <a:buFont typeface="Arial" panose="020B0604020202020204" pitchFamily="34" charset="0"/>
+              <a:buChar char="•"/>
+            </a:pPr>
+            <a:r>
+              <a:rPr lang="fr-CH" sz="1000" dirty="0">
+                <a:latin typeface="Frutiger LT Pro 45 Light" panose="020B0403030504020204" pitchFamily="34" charset="0"/>
+              </a:rPr>
+              <a:t>MVC : séparation claire des responsabilités</a:t>
+            </a:r>
+          </a:p>
+          <a:p>
+            <a:pPr marL="742950" lvl="1" indent="-285750" algn="l">
+              <a:lnSpc>
+                <a:spcPct val="150000"/>
+              </a:lnSpc>
+              <a:buFont typeface="Arial" panose="020B0604020202020204" pitchFamily="34" charset="0"/>
+              <a:buChar char="•"/>
+            </a:pPr>
+            <a:r>
+              <a:rPr lang="fr-CH" sz="1000" dirty="0">
+                <a:latin typeface="Frutiger LT Pro 45 Light" panose="020B0403030504020204" pitchFamily="34" charset="0"/>
+              </a:rPr>
+              <a:t>Factory : connexion à la base de données, instanciation des Data Access Object</a:t>
+            </a:r>
+          </a:p>
+          <a:p>
             <a:pPr marL="342900" indent="-342900" algn="l">
               <a:lnSpc>
                 <a:spcPct val="150000"/>
@@ -7680,10 +7654,10 @@
               <a:buChar char="•"/>
             </a:pPr>
             <a:r>
-              <a:rPr lang="fr-CH" sz="2000" dirty="0">
-                <a:latin typeface="Frutiger LT Pro 45 Light" panose="020B0403030504020204" pitchFamily="34" charset="0"/>
-              </a:rPr>
-              <a:t>Planning</a:t>
+              <a:rPr lang="fr-CH" sz="1400" dirty="0">
+                <a:latin typeface="Frutiger LT Pro 45 Light" panose="020B0403030504020204" pitchFamily="34" charset="0"/>
+              </a:rPr>
+              <a:t>Base de données relationnelle: performances, intégrité des données</a:t>
             </a:r>
           </a:p>
           <a:p>
@@ -7695,10 +7669,34 @@
               <a:buChar char="•"/>
             </a:pPr>
             <a:r>
-              <a:rPr lang="fr-CH" sz="2000" dirty="0">
-                <a:latin typeface="Frutiger LT Pro 45 Light" panose="020B0403030504020204" pitchFamily="34" charset="0"/>
-              </a:rPr>
-              <a:t>Monitoring de l’avancement</a:t>
+              <a:rPr lang="fr-CH" sz="1400" dirty="0">
+                <a:latin typeface="Frutiger LT Pro 45 Light" panose="020B0403030504020204" pitchFamily="34" charset="0"/>
+              </a:rPr>
+              <a:t>Bean : lisibilité, maintenabilité du code, «</a:t>
+            </a:r>
+            <a:r>
+              <a:rPr lang="fr-CH" sz="1400" dirty="0" err="1">
+                <a:latin typeface="Frutiger LT Pro 45 Light" panose="020B0403030504020204" pitchFamily="34" charset="0"/>
+              </a:rPr>
+              <a:t>write</a:t>
+            </a:r>
+            <a:r>
+              <a:rPr lang="fr-CH" sz="1400" dirty="0">
+                <a:latin typeface="Frutiger LT Pro 45 Light" panose="020B0403030504020204" pitchFamily="34" charset="0"/>
+              </a:rPr>
+              <a:t>-once, </a:t>
+            </a:r>
+            <a:r>
+              <a:rPr lang="fr-CH" sz="1400" dirty="0" err="1">
+                <a:latin typeface="Frutiger LT Pro 45 Light" panose="020B0403030504020204" pitchFamily="34" charset="0"/>
+              </a:rPr>
+              <a:t>run-anywhere</a:t>
+            </a:r>
+            <a:r>
+              <a:rPr lang="fr-CH" sz="1400" dirty="0">
+                <a:latin typeface="Frutiger LT Pro 45 Light" panose="020B0403030504020204" pitchFamily="34" charset="0"/>
+              </a:rPr>
+              <a:t>»</a:t>
             </a:r>
           </a:p>
           <a:p>
@@ -7710,11 +7708,32 @@
               <a:buChar char="•"/>
             </a:pPr>
             <a:r>
-              <a:rPr lang="fr-CH" sz="2000" dirty="0">
-                <a:latin typeface="Frutiger LT Pro 45 Light" panose="020B0403030504020204" pitchFamily="34" charset="0"/>
-              </a:rPr>
-              <a:t>Agilité, modèle incrémental itératif</a:t>
-            </a:r>
+              <a:rPr lang="fr-CH" sz="1400" dirty="0" err="1">
+                <a:latin typeface="Frutiger LT Pro 45 Light" panose="020B0403030504020204" pitchFamily="34" charset="0"/>
+              </a:rPr>
+              <a:t>Form</a:t>
+            </a:r>
+            <a:r>
+              <a:rPr lang="fr-CH" sz="1400" dirty="0">
+                <a:latin typeface="Frutiger LT Pro 45 Light" panose="020B0403030504020204" pitchFamily="34" charset="0"/>
+              </a:rPr>
+              <a:t> : réalisation </a:t>
+            </a:r>
+            <a:r>
+              <a:rPr lang="en-GB" sz="1400" dirty="0">
+                <a:latin typeface="Frutiger LT Pro 45 Light" panose="020B0403030504020204" pitchFamily="34" charset="0"/>
+              </a:rPr>
+              <a:t>des </a:t>
+            </a:r>
+            <a:r>
+              <a:rPr lang="en-GB" sz="1400" dirty="0" err="1">
+                <a:latin typeface="Frutiger LT Pro 45 Light" panose="020B0403030504020204" pitchFamily="34" charset="0"/>
+              </a:rPr>
+              <a:t>traitements</a:t>
+            </a:r>
+            <a:endParaRPr lang="fr-CH" sz="1400" dirty="0">
+              <a:latin typeface="Frutiger LT Pro 45 Light" panose="020B0403030504020204" pitchFamily="34" charset="0"/>
+            </a:endParaRPr>
           </a:p>
           <a:p>
             <a:pPr marL="342900" indent="-342900" algn="l">
@@ -7725,11 +7744,143 @@
               <a:buChar char="•"/>
             </a:pPr>
             <a:r>
-              <a:rPr lang="fr-CH" sz="2000" dirty="0">
-                <a:latin typeface="Frutiger LT Pro 45 Light" panose="020B0403030504020204" pitchFamily="34" charset="0"/>
-              </a:rPr>
-              <a:t>Tests &amp; Documentation</a:t>
-            </a:r>
+              <a:rPr lang="fr-CH" sz="1400" dirty="0">
+                <a:latin typeface="Frutiger LT Pro 45 Light" panose="020B0403030504020204" pitchFamily="34" charset="0"/>
+              </a:rPr>
+              <a:t>Listener : initialisation de la Factory</a:t>
+            </a:r>
+          </a:p>
+          <a:p>
+            <a:pPr marL="342900" indent="-342900" algn="l">
+              <a:lnSpc>
+                <a:spcPct val="150000"/>
+              </a:lnSpc>
+              <a:buFont typeface="Arial" panose="020B0604020202020204" pitchFamily="34" charset="0"/>
+              <a:buChar char="•"/>
+            </a:pPr>
+            <a:r>
+              <a:rPr lang="fr-CH" sz="1400" dirty="0">
+                <a:latin typeface="Frutiger LT Pro 45 Light" panose="020B0403030504020204" pitchFamily="34" charset="0"/>
+              </a:rPr>
+              <a:t>Filter :  modification transparente des échanges HTTP(insertion d’objets sessions)</a:t>
+            </a:r>
+          </a:p>
+          <a:p>
+            <a:pPr marL="342900" indent="-342900" algn="l">
+              <a:lnSpc>
+                <a:spcPct val="150000"/>
+              </a:lnSpc>
+              <a:buFont typeface="Arial" panose="020B0604020202020204" pitchFamily="34" charset="0"/>
+              <a:buChar char="•"/>
+            </a:pPr>
+            <a:r>
+              <a:rPr lang="fr-CH" sz="1400" dirty="0">
+                <a:latin typeface="Frutiger LT Pro 45 Light" panose="020B0403030504020204" pitchFamily="34" charset="0"/>
+              </a:rPr>
+              <a:t>Servlet : réception des requêtes du client web(objets à insérer)</a:t>
+            </a:r>
+          </a:p>
+          <a:p>
+            <a:pPr marL="342900" indent="-342900" algn="l">
+              <a:lnSpc>
+                <a:spcPct val="150000"/>
+              </a:lnSpc>
+              <a:buFont typeface="Arial" panose="020B0604020202020204" pitchFamily="34" charset="0"/>
+              <a:buChar char="•"/>
+            </a:pPr>
+            <a:r>
+              <a:rPr lang="fr-CH" sz="1400" dirty="0">
+                <a:latin typeface="Frutiger LT Pro 45 Light" panose="020B0403030504020204" pitchFamily="34" charset="0"/>
+              </a:rPr>
+              <a:t>Resource: transmission des résultats formatés, JSON, </a:t>
+            </a:r>
+            <a:r>
+              <a:rPr lang="fr-CH" sz="1400" dirty="0" err="1">
+                <a:latin typeface="Frutiger LT Pro 45 Light" panose="020B0403030504020204" pitchFamily="34" charset="0"/>
+              </a:rPr>
+              <a:t>png</a:t>
+            </a:r>
+            <a:endParaRPr lang="fr-CH" sz="1400" dirty="0">
+              <a:latin typeface="Frutiger LT Pro 45 Light" panose="020B0403030504020204" pitchFamily="34" charset="0"/>
+            </a:endParaRPr>
+          </a:p>
+          <a:p>
+            <a:pPr marL="342900" indent="-342900" algn="l">
+              <a:lnSpc>
+                <a:spcPct val="150000"/>
+              </a:lnSpc>
+              <a:buFont typeface="Arial" panose="020B0604020202020204" pitchFamily="34" charset="0"/>
+              <a:buChar char="•"/>
+            </a:pPr>
+            <a:r>
+              <a:rPr lang="fr-CH" sz="1400" dirty="0">
+                <a:latin typeface="Frutiger LT Pro 45 Light" panose="020B0403030504020204" pitchFamily="34" charset="0"/>
+              </a:rPr>
+              <a:t>Store : persistance des données</a:t>
+            </a:r>
+          </a:p>
+          <a:p>
+            <a:pPr marL="342900" indent="-342900" algn="l">
+              <a:lnSpc>
+                <a:spcPct val="150000"/>
+              </a:lnSpc>
+              <a:buFont typeface="Arial" panose="020B0604020202020204" pitchFamily="34" charset="0"/>
+              <a:buChar char="•"/>
+            </a:pPr>
+            <a:r>
+              <a:rPr lang="fr-CH" sz="1400" dirty="0">
+                <a:latin typeface="Frutiger LT Pro 45 Light" panose="020B0403030504020204" pitchFamily="34" charset="0"/>
+              </a:rPr>
+              <a:t>OpenWeatherMap weather API : récupération des informations météos et traduction des adresses</a:t>
+            </a:r>
+          </a:p>
+          <a:p>
+            <a:pPr marL="342900" indent="-342900" algn="l">
+              <a:lnSpc>
+                <a:spcPct val="150000"/>
+              </a:lnSpc>
+              <a:buFont typeface="Arial" panose="020B0604020202020204" pitchFamily="34" charset="0"/>
+              <a:buChar char="•"/>
+            </a:pPr>
+            <a:r>
+              <a:rPr lang="fr-CH" sz="1400" dirty="0">
+                <a:latin typeface="Frutiger LT Pro 45 Light" panose="020B0403030504020204" pitchFamily="34" charset="0"/>
+              </a:rPr>
+              <a:t>Interfaces : utilisation </a:t>
+            </a:r>
+            <a:r>
+              <a:rPr lang="fr-CH" sz="1400" dirty="0" err="1">
+                <a:latin typeface="Frutiger LT Pro 45 Light" panose="020B0403030504020204" pitchFamily="34" charset="0"/>
+              </a:rPr>
+              <a:t>Bootstrap</a:t>
+            </a:r>
+            <a:r>
+              <a:rPr lang="fr-CH" sz="1400" dirty="0">
+                <a:latin typeface="Frutiger LT Pro 45 Light" panose="020B0403030504020204" pitchFamily="34" charset="0"/>
+              </a:rPr>
+              <a:t>, </a:t>
+            </a:r>
+            <a:r>
+              <a:rPr lang="fr-CH" sz="1400" dirty="0" err="1">
+                <a:latin typeface="Frutiger LT Pro 45 Light" panose="020B0403030504020204" pitchFamily="34" charset="0"/>
+              </a:rPr>
+              <a:t>Jquery</a:t>
+            </a:r>
+            <a:endParaRPr lang="fr-CH" sz="1400" dirty="0">
+              <a:latin typeface="Frutiger LT Pro 45 Light" panose="020B0403030504020204" pitchFamily="34" charset="0"/>
+            </a:endParaRPr>
+          </a:p>
+          <a:p>
+            <a:pPr marL="342900" indent="-342900" algn="l">
+              <a:lnSpc>
+                <a:spcPct val="150000"/>
+              </a:lnSpc>
+              <a:buFont typeface="Arial" panose="020B0604020202020204" pitchFamily="34" charset="0"/>
+              <a:buChar char="•"/>
+            </a:pPr>
+            <a:endParaRPr lang="en-GB" sz="1400" dirty="0">
+              <a:latin typeface="Frutiger LT Pro 45 Light" panose="020B0403030504020204" pitchFamily="34" charset="0"/>
+            </a:endParaRPr>
           </a:p>
         </p:txBody>
       </p:sp>
@@ -7781,7 +7932,7 @@
         </p:blipFill>
         <p:spPr>
           <a:xfrm>
-            <a:off x="8992870" y="46673"/>
+            <a:off x="8975286" y="213678"/>
             <a:ext cx="1675130" cy="859790"/>
           </a:xfrm>
           <a:prstGeom prst="rect">
@@ -7808,7 +7959,7 @@
               <a:rPr lang="fr-CH" smtClean="0">
                 <a:latin typeface="Frutiger LT Pro 45 Light" panose="020B0403030504020204" pitchFamily="34" charset="0"/>
               </a:rPr>
-              <a:t>15.06.2017</a:t>
+              <a:t>16.06.2017</a:t>
             </a:fld>
             <a:endParaRPr lang="en-GB" dirty="0">
               <a:latin typeface="Frutiger LT Pro 45 Light" panose="020B0403030504020204" pitchFamily="34" charset="0"/>
@@ -7835,29 +7986,8 @@
               <a:rPr lang="en-GB" dirty="0">
                 <a:latin typeface="Frutiger LT Pro 45 Light" panose="020B0403030504020204" pitchFamily="34" charset="0"/>
               </a:rPr>
-              <a:t>APP CIIP - </a:t>
-            </a:r>
-            <a:r>
-              <a:rPr lang="en-GB" dirty="0" err="1">
-                <a:latin typeface="Frutiger LT Pro 45 Light" panose="020B0403030504020204" pitchFamily="34" charset="0"/>
-              </a:rPr>
-              <a:t>Projet</a:t>
-            </a:r>
-            <a:r>
-              <a:rPr lang="en-GB" dirty="0">
-                <a:latin typeface="Frutiger LT Pro 45 Light" panose="020B0403030504020204" pitchFamily="34" charset="0"/>
-              </a:rPr>
-              <a:t> </a:t>
-            </a:r>
-            <a:r>
-              <a:rPr lang="en-GB" dirty="0" err="1">
-                <a:latin typeface="Frutiger LT Pro 45 Light" panose="020B0403030504020204" pitchFamily="34" charset="0"/>
-              </a:rPr>
-              <a:t>d’approfondissement</a:t>
-            </a:r>
-            <a:endParaRPr lang="en-GB" dirty="0">
-              <a:latin typeface="Frutiger LT Pro 45 Light" panose="020B0403030504020204" pitchFamily="34" charset="0"/>
-            </a:endParaRPr>
+              <a:t>APP CIIP - Projet d’approfondissement</a:t>
+            </a:r>
           </a:p>
         </p:txBody>
       </p:sp>
@@ -7888,10 +8018,38 @@
           </a:p>
         </p:txBody>
       </p:sp>
+      <p:pic>
+        <p:nvPicPr>
+          <p:cNvPr id="10" name="Image 9"/>
+          <p:cNvPicPr/>
+          <p:nvPr/>
+        </p:nvPicPr>
+        <p:blipFill>
+          <a:blip r:embed="rId4">
+            <a:extLst>
+              <a:ext uri="{28A0092B-C50C-407E-A947-70E740481C1C}">
+                <a14:useLocalDpi xmlns:a14="http://schemas.microsoft.com/office/drawing/2010/main" val="0"/>
+              </a:ext>
+            </a:extLst>
+          </a:blip>
+          <a:stretch>
+            <a:fillRect/>
+          </a:stretch>
+        </p:blipFill>
+        <p:spPr>
+          <a:xfrm>
+            <a:off x="838201" y="2067796"/>
+            <a:ext cx="4349262" cy="3559281"/>
+          </a:xfrm>
+          <a:prstGeom prst="rect">
+            <a:avLst/>
+          </a:prstGeom>
+        </p:spPr>
+      </p:pic>
     </p:spTree>
     <p:extLst>
       <p:ext uri="{BB962C8B-B14F-4D97-AF65-F5344CB8AC3E}">
-        <p14:creationId xmlns:p14="http://schemas.microsoft.com/office/powerpoint/2010/main" val="880621841"/>
+        <p14:creationId xmlns:p14="http://schemas.microsoft.com/office/powerpoint/2010/main" val="3658001820"/>
       </p:ext>
     </p:extLst>
   </p:cSld>
@@ -7930,8 +8088,8 @@
         </p:nvSpPr>
         <p:spPr>
           <a:xfrm>
-            <a:off x="781439" y="1122364"/>
-            <a:ext cx="3751385" cy="513006"/>
+            <a:off x="2279552" y="862685"/>
+            <a:ext cx="4358055" cy="513006"/>
           </a:xfrm>
         </p:spPr>
         <p:txBody>
@@ -7944,7 +8102,7 @@
               <a:rPr lang="fr-CH" sz="2400" dirty="0">
                 <a:latin typeface="Frutiger LT Pro 45 Light" panose="020B0403030504020204" pitchFamily="34" charset="0"/>
               </a:rPr>
-              <a:t>Implémentation</a:t>
+              <a:t>Implémentation : Partie Cliente</a:t>
             </a:r>
           </a:p>
         </p:txBody>
@@ -7961,16 +8119,73 @@
         </p:nvSpPr>
         <p:spPr>
           <a:xfrm>
-            <a:off x="5275385" y="1739633"/>
-            <a:ext cx="5392615" cy="4135437"/>
+            <a:off x="5553075" y="1370356"/>
+            <a:ext cx="5683494" cy="4863390"/>
           </a:xfrm>
         </p:spPr>
         <p:txBody>
           <a:bodyPr>
-            <a:normAutofit/>
+            <a:normAutofit fontScale="77500" lnSpcReduction="20000"/>
           </a:bodyPr>
           <a:lstStyle/>
           <a:p>
+            <a:pPr marL="285750" indent="-285750" algn="l">
+              <a:lnSpc>
+                <a:spcPct val="150000"/>
+              </a:lnSpc>
+              <a:buFont typeface="Arial" panose="020B0604020202020204" pitchFamily="34" charset="0"/>
+              <a:buChar char="•"/>
+            </a:pPr>
+            <a:r>
+              <a:rPr lang="fr-CH" sz="1400" dirty="0">
+                <a:latin typeface="Frutiger LT Pro 45 Light" panose="020B0403030504020204" pitchFamily="34" charset="0"/>
+              </a:rPr>
+              <a:t>Design pattern</a:t>
+            </a:r>
+          </a:p>
+          <a:p>
+            <a:pPr marL="742950" lvl="1" indent="-285750" algn="l">
+              <a:lnSpc>
+                <a:spcPct val="150000"/>
+              </a:lnSpc>
+              <a:buFont typeface="Arial" panose="020B0604020202020204" pitchFamily="34" charset="0"/>
+              <a:buChar char="•"/>
+            </a:pPr>
+            <a:r>
+              <a:rPr lang="fr-CH" sz="1000" dirty="0">
+                <a:latin typeface="Frutiger LT Pro 45 Light" panose="020B0403030504020204" pitchFamily="34" charset="0"/>
+              </a:rPr>
+              <a:t>MVC : séparation claire des responsabilités</a:t>
+            </a:r>
+          </a:p>
+          <a:p>
+            <a:pPr marL="742950" lvl="1" indent="-285750" algn="l">
+              <a:lnSpc>
+                <a:spcPct val="150000"/>
+              </a:lnSpc>
+              <a:buFont typeface="Arial" panose="020B0604020202020204" pitchFamily="34" charset="0"/>
+              <a:buChar char="•"/>
+            </a:pPr>
+            <a:r>
+              <a:rPr lang="fr-CH" sz="1000" dirty="0">
+                <a:latin typeface="Frutiger LT Pro 45 Light" panose="020B0403030504020204" pitchFamily="34" charset="0"/>
+              </a:rPr>
+              <a:t>Singleton : </a:t>
+            </a:r>
+            <a:r>
+              <a:rPr lang="fr-CH" sz="1000" dirty="0" err="1">
+                <a:latin typeface="Frutiger LT Pro 45 Light" panose="020B0403030504020204" pitchFamily="34" charset="0"/>
+              </a:rPr>
+              <a:t>GPSTracker</a:t>
+            </a:r>
+            <a:r>
+              <a:rPr lang="fr-CH" sz="1000" dirty="0">
+                <a:latin typeface="Frutiger LT Pro 45 Light" panose="020B0403030504020204" pitchFamily="34" charset="0"/>
+              </a:rPr>
+              <a:t>, instance unique avec un point d’accès global</a:t>
+            </a:r>
+          </a:p>
+          <a:p>
             <a:pPr marL="342900" indent="-342900" algn="l">
               <a:lnSpc>
                 <a:spcPct val="150000"/>
@@ -7982,19 +8197,43 @@
               <a:rPr lang="fr-CH" sz="1400" dirty="0">
                 <a:latin typeface="Frutiger LT Pro 45 Light" panose="020B0403030504020204" pitchFamily="34" charset="0"/>
               </a:rPr>
-              <a:t>Design pattern : MVC, </a:t>
+              <a:t>Bean : lisibilité, maintenabilité du code, «</a:t>
             </a:r>
             <a:r>
               <a:rPr lang="fr-CH" sz="1400" dirty="0" err="1">
                 <a:latin typeface="Frutiger LT Pro 45 Light" panose="020B0403030504020204" pitchFamily="34" charset="0"/>
               </a:rPr>
-              <a:t>Factory</a:t>
+              <a:t>write</a:t>
             </a:r>
             <a:r>
               <a:rPr lang="fr-CH" sz="1400" dirty="0">
                 <a:latin typeface="Frutiger LT Pro 45 Light" panose="020B0403030504020204" pitchFamily="34" charset="0"/>
               </a:rPr>
-              <a:t>, Singleton</a:t>
+              <a:t>-once, </a:t>
+            </a:r>
+            <a:r>
+              <a:rPr lang="fr-CH" sz="1400" dirty="0" err="1">
+                <a:latin typeface="Frutiger LT Pro 45 Light" panose="020B0403030504020204" pitchFamily="34" charset="0"/>
+              </a:rPr>
+              <a:t>run-anywhere</a:t>
+            </a:r>
+            <a:r>
+              <a:rPr lang="fr-CH" sz="1400" dirty="0">
+                <a:latin typeface="Frutiger LT Pro 45 Light" panose="020B0403030504020204" pitchFamily="34" charset="0"/>
+              </a:rPr>
+              <a:t>», </a:t>
+            </a:r>
+            <a:r>
+              <a:rPr lang="fr-CH" sz="1400" dirty="0" err="1">
+                <a:latin typeface="Frutiger LT Pro 45 Light" panose="020B0403030504020204" pitchFamily="34" charset="0"/>
+              </a:rPr>
+              <a:t>parsing</a:t>
+            </a:r>
+            <a:r>
+              <a:rPr lang="fr-CH" sz="1400" dirty="0">
+                <a:latin typeface="Frutiger LT Pro 45 Light" panose="020B0403030504020204" pitchFamily="34" charset="0"/>
+              </a:rPr>
+              <a:t> des JSON reçus</a:t>
             </a:r>
           </a:p>
           <a:p>
@@ -8009,7 +8248,7 @@
               <a:rPr lang="fr-CH" sz="1400" dirty="0">
                 <a:latin typeface="Frutiger LT Pro 45 Light" panose="020B0403030504020204" pitchFamily="34" charset="0"/>
               </a:rPr>
-              <a:t>Base de données relationnelle</a:t>
+              <a:t>Activity : affichages détaillés manifestations/vacances</a:t>
             </a:r>
           </a:p>
           <a:p>
@@ -8024,31 +8263,79 @@
               <a:rPr lang="fr-CH" sz="1400" dirty="0">
                 <a:latin typeface="Frutiger LT Pro 45 Light" panose="020B0403030504020204" pitchFamily="34" charset="0"/>
               </a:rPr>
-              <a:t>Bean, </a:t>
-            </a:r>
+              <a:t>Fragment : affichage simultané des listes de manifestations et de vacances sur l’activité principale</a:t>
+            </a:r>
+          </a:p>
+          <a:p>
+            <a:pPr marL="342900" indent="-342900" algn="l">
+              <a:lnSpc>
+                <a:spcPct val="150000"/>
+              </a:lnSpc>
+              <a:buFont typeface="Arial" panose="020B0604020202020204" pitchFamily="34" charset="0"/>
+              <a:buChar char="•"/>
+            </a:pPr>
+            <a:r>
+              <a:rPr lang="fr-CH" sz="1400" dirty="0">
+                <a:latin typeface="Frutiger LT Pro 45 Light" panose="020B0403030504020204" pitchFamily="34" charset="0"/>
+              </a:rPr>
+              <a:t>Adapter : accès aux données de chaque items de liste et création de vues à la volée</a:t>
+            </a:r>
+          </a:p>
+          <a:p>
+            <a:pPr marL="342900" indent="-342900" algn="l">
+              <a:lnSpc>
+                <a:spcPct val="150000"/>
+              </a:lnSpc>
+              <a:buFont typeface="Arial" panose="020B0604020202020204" pitchFamily="34" charset="0"/>
+              <a:buChar char="•"/>
+            </a:pPr>
+            <a:r>
+              <a:rPr lang="fr-CH" sz="1400" dirty="0">
+                <a:latin typeface="Frutiger LT Pro 45 Light" panose="020B0403030504020204" pitchFamily="34" charset="0"/>
+              </a:rPr>
+              <a:t>Intent : démarrage d’activités, communication entre composants </a:t>
+            </a:r>
+          </a:p>
+          <a:p>
+            <a:pPr marL="342900" indent="-342900" algn="l">
+              <a:lnSpc>
+                <a:spcPct val="150000"/>
+              </a:lnSpc>
+              <a:buFont typeface="Arial" panose="020B0604020202020204" pitchFamily="34" charset="0"/>
+              <a:buChar char="•"/>
+            </a:pPr>
             <a:r>
               <a:rPr lang="fr-CH" sz="1400" dirty="0" err="1">
                 <a:latin typeface="Frutiger LT Pro 45 Light" panose="020B0403030504020204" pitchFamily="34" charset="0"/>
               </a:rPr>
-              <a:t>Listener</a:t>
+              <a:t>IntentService</a:t>
             </a:r>
             <a:r>
               <a:rPr lang="fr-CH" sz="1400" dirty="0">
                 <a:latin typeface="Frutiger LT Pro 45 Light" panose="020B0403030504020204" pitchFamily="34" charset="0"/>
               </a:rPr>
-              <a:t>, </a:t>
-            </a:r>
+              <a:t> : gestion de requêtes asynchrones en taches de fond, Notification-transmission de la position</a:t>
+            </a:r>
+          </a:p>
+          <a:p>
+            <a:pPr marL="342900" indent="-342900" algn="l">
+              <a:lnSpc>
+                <a:spcPct val="150000"/>
+              </a:lnSpc>
+              <a:buFont typeface="Arial" panose="020B0604020202020204" pitchFamily="34" charset="0"/>
+              <a:buChar char="•"/>
+            </a:pPr>
             <a:r>
               <a:rPr lang="fr-CH" sz="1400" dirty="0" err="1">
                 <a:latin typeface="Frutiger LT Pro 45 Light" panose="020B0403030504020204" pitchFamily="34" charset="0"/>
               </a:rPr>
-              <a:t>Filter</a:t>
+              <a:t>Receiver</a:t>
             </a:r>
             <a:r>
               <a:rPr lang="fr-CH" sz="1400" dirty="0">
                 <a:latin typeface="Frutiger LT Pro 45 Light" panose="020B0403030504020204" pitchFamily="34" charset="0"/>
               </a:rPr>
-              <a:t>, Servlet, Resource, Store </a:t>
+              <a:t>: lancement du service de Notification</a:t>
             </a:r>
           </a:p>
           <a:p>
@@ -8063,32 +8350,80 @@
               <a:rPr lang="fr-CH" sz="1400" dirty="0">
                 <a:latin typeface="Frutiger LT Pro 45 Light" panose="020B0403030504020204" pitchFamily="34" charset="0"/>
               </a:rPr>
-              <a:t>Activity, Adapter, </a:t>
+              <a:t>Client :  requêtes HTTP asynchrones via </a:t>
             </a:r>
             <a:r>
               <a:rPr lang="fr-CH" sz="1400" dirty="0" err="1">
                 <a:latin typeface="Frutiger LT Pro 45 Light" panose="020B0403030504020204" pitchFamily="34" charset="0"/>
               </a:rPr>
-              <a:t>Intent</a:t>
-            </a:r>
+              <a:t>AsyncHttpClient</a:t>
+            </a:r>
+            <a:endParaRPr lang="fr-CH" sz="1400" dirty="0">
+              <a:latin typeface="Frutiger LT Pro 45 Light" panose="020B0403030504020204" pitchFamily="34" charset="0"/>
+            </a:endParaRPr>
+          </a:p>
+          <a:p>
+            <a:pPr marL="342900" indent="-342900" algn="l">
+              <a:lnSpc>
+                <a:spcPct val="150000"/>
+              </a:lnSpc>
+              <a:buFont typeface="Arial" panose="020B0604020202020204" pitchFamily="34" charset="0"/>
+              <a:buChar char="•"/>
+            </a:pPr>
             <a:r>
               <a:rPr lang="fr-CH" sz="1400" dirty="0">
                 <a:latin typeface="Frutiger LT Pro 45 Light" panose="020B0403030504020204" pitchFamily="34" charset="0"/>
               </a:rPr>
-              <a:t>, Fragment, Service, </a:t>
+              <a:t>Géolocalisation : accès aux services de localisation du système via </a:t>
             </a:r>
             <a:r>
               <a:rPr lang="fr-CH" sz="1400" dirty="0" err="1">
                 <a:latin typeface="Frutiger LT Pro 45 Light" panose="020B0403030504020204" pitchFamily="34" charset="0"/>
               </a:rPr>
-              <a:t>Task</a:t>
-            </a:r>
+              <a:t>LocationManager</a:t>
+            </a:r>
+            <a:endParaRPr lang="fr-CH" sz="1400" dirty="0">
+              <a:latin typeface="Frutiger LT Pro 45 Light" panose="020B0403030504020204" pitchFamily="34" charset="0"/>
+            </a:endParaRPr>
+          </a:p>
+          <a:p>
+            <a:pPr marL="342900" indent="-342900" algn="l">
+              <a:lnSpc>
+                <a:spcPct val="150000"/>
+              </a:lnSpc>
+              <a:buFont typeface="Arial" panose="020B0604020202020204" pitchFamily="34" charset="0"/>
+              <a:buChar char="•"/>
+            </a:pPr>
             <a:r>
               <a:rPr lang="fr-CH" sz="1400" dirty="0">
                 <a:latin typeface="Frutiger LT Pro 45 Light" panose="020B0403030504020204" pitchFamily="34" charset="0"/>
               </a:rPr>
-              <a:t>, Notification</a:t>
-            </a:r>
+              <a:t>Picasso : librairie pour le </a:t>
+            </a:r>
+            <a:r>
+              <a:rPr lang="fr-CH" sz="1400" dirty="0" err="1">
+                <a:latin typeface="Frutiger LT Pro 45 Light" panose="020B0403030504020204" pitchFamily="34" charset="0"/>
+              </a:rPr>
+              <a:t>download</a:t>
+            </a:r>
+            <a:r>
+              <a:rPr lang="fr-CH" sz="1400" dirty="0">
+                <a:latin typeface="Frutiger LT Pro 45 Light" panose="020B0403030504020204" pitchFamily="34" charset="0"/>
+              </a:rPr>
+              <a:t> d’image</a:t>
+            </a:r>
+          </a:p>
+          <a:p>
+            <a:pPr marL="742950" lvl="1" indent="-285750" algn="l">
+              <a:lnSpc>
+                <a:spcPct val="150000"/>
+              </a:lnSpc>
+              <a:buFont typeface="Arial" panose="020B0604020202020204" pitchFamily="34" charset="0"/>
+              <a:buChar char="•"/>
+            </a:pPr>
+            <a:endParaRPr lang="fr-CH" sz="1000" dirty="0">
+              <a:latin typeface="Frutiger LT Pro 45 Light" panose="020B0403030504020204" pitchFamily="34" charset="0"/>
+            </a:endParaRPr>
           </a:p>
           <a:p>
             <a:pPr marL="342900" indent="-342900" algn="l">
@@ -8098,70 +8433,7 @@
               <a:buFont typeface="Arial" panose="020B0604020202020204" pitchFamily="34" charset="0"/>
               <a:buChar char="•"/>
             </a:pPr>
-            <a:r>
-              <a:rPr lang="fr-CH" sz="1400" dirty="0">
-                <a:latin typeface="Frutiger LT Pro 45 Light" panose="020B0403030504020204" pitchFamily="34" charset="0"/>
-              </a:rPr>
-              <a:t>Géolocalisation</a:t>
-            </a:r>
-          </a:p>
-          <a:p>
-            <a:pPr marL="342900" indent="-342900" algn="l">
-              <a:lnSpc>
-                <a:spcPct val="150000"/>
-              </a:lnSpc>
-              <a:buFont typeface="Arial" panose="020B0604020202020204" pitchFamily="34" charset="0"/>
-              <a:buChar char="•"/>
-            </a:pPr>
-            <a:r>
-              <a:rPr lang="fr-CH" sz="1400" dirty="0" err="1">
-                <a:latin typeface="Frutiger LT Pro 45 Light" panose="020B0403030504020204" pitchFamily="34" charset="0"/>
-              </a:rPr>
-              <a:t>OpenWeatherMap</a:t>
-            </a:r>
-            <a:r>
-              <a:rPr lang="fr-CH" sz="1400" dirty="0">
-                <a:latin typeface="Frutiger LT Pro 45 Light" panose="020B0403030504020204" pitchFamily="34" charset="0"/>
-              </a:rPr>
-              <a:t> </a:t>
-            </a:r>
-            <a:r>
-              <a:rPr lang="fr-CH" sz="1400" dirty="0" err="1">
-                <a:latin typeface="Frutiger LT Pro 45 Light" panose="020B0403030504020204" pitchFamily="34" charset="0"/>
-              </a:rPr>
-              <a:t>weather</a:t>
-            </a:r>
-            <a:r>
-              <a:rPr lang="fr-CH" sz="1400" dirty="0">
-                <a:latin typeface="Frutiger LT Pro 45 Light" panose="020B0403030504020204" pitchFamily="34" charset="0"/>
-              </a:rPr>
-              <a:t> API </a:t>
-            </a:r>
-          </a:p>
-          <a:p>
-            <a:pPr marL="342900" indent="-342900" algn="l">
-              <a:lnSpc>
-                <a:spcPct val="150000"/>
-              </a:lnSpc>
-              <a:buFont typeface="Arial" panose="020B0604020202020204" pitchFamily="34" charset="0"/>
-              <a:buChar char="•"/>
-            </a:pPr>
-            <a:r>
-              <a:rPr lang="fr-CH" sz="1400" dirty="0">
-                <a:latin typeface="Frutiger LT Pro 45 Light" panose="020B0403030504020204" pitchFamily="34" charset="0"/>
-              </a:rPr>
-              <a:t>Interfaces utilisateurs</a:t>
-            </a:r>
-          </a:p>
-          <a:p>
-            <a:pPr marL="342900" indent="-342900" algn="l">
-              <a:lnSpc>
-                <a:spcPct val="150000"/>
-              </a:lnSpc>
-              <a:buFont typeface="Arial" panose="020B0604020202020204" pitchFamily="34" charset="0"/>
-              <a:buChar char="•"/>
-            </a:pPr>
-            <a:endParaRPr lang="en-GB" sz="1400" dirty="0">
+            <a:endParaRPr lang="en-GB" sz="2000" dirty="0">
               <a:latin typeface="Frutiger LT Pro 45 Light" panose="020B0403030504020204" pitchFamily="34" charset="0"/>
             </a:endParaRPr>
           </a:p>
@@ -8215,7 +8487,7 @@
         </p:blipFill>
         <p:spPr>
           <a:xfrm>
-            <a:off x="8992870" y="46673"/>
+            <a:off x="9010455" y="213678"/>
             <a:ext cx="1675130" cy="859790"/>
           </a:xfrm>
           <a:prstGeom prst="rect">
@@ -8242,7 +8514,7 @@
               <a:rPr lang="fr-CH" smtClean="0">
                 <a:latin typeface="Frutiger LT Pro 45 Light" panose="020B0403030504020204" pitchFamily="34" charset="0"/>
               </a:rPr>
-              <a:t>15.06.2017</a:t>
+              <a:t>16.06.2017</a:t>
             </a:fld>
             <a:endParaRPr lang="en-GB" dirty="0">
               <a:latin typeface="Frutiger LT Pro 45 Light" panose="020B0403030504020204" pitchFamily="34" charset="0"/>
@@ -8269,29 +8541,8 @@
               <a:rPr lang="en-GB" dirty="0">
                 <a:latin typeface="Frutiger LT Pro 45 Light" panose="020B0403030504020204" pitchFamily="34" charset="0"/>
               </a:rPr>
-              <a:t>APP CIIP - </a:t>
-            </a:r>
-            <a:r>
-              <a:rPr lang="en-GB" dirty="0" err="1">
-                <a:latin typeface="Frutiger LT Pro 45 Light" panose="020B0403030504020204" pitchFamily="34" charset="0"/>
-              </a:rPr>
-              <a:t>Projet</a:t>
-            </a:r>
-            <a:r>
-              <a:rPr lang="en-GB" dirty="0">
-                <a:latin typeface="Frutiger LT Pro 45 Light" panose="020B0403030504020204" pitchFamily="34" charset="0"/>
-              </a:rPr>
-              <a:t> </a:t>
-            </a:r>
-            <a:r>
-              <a:rPr lang="en-GB" dirty="0" err="1">
-                <a:latin typeface="Frutiger LT Pro 45 Light" panose="020B0403030504020204" pitchFamily="34" charset="0"/>
-              </a:rPr>
-              <a:t>d’approfondissement</a:t>
-            </a:r>
-            <a:endParaRPr lang="en-GB" dirty="0">
-              <a:latin typeface="Frutiger LT Pro 45 Light" panose="020B0403030504020204" pitchFamily="34" charset="0"/>
-            </a:endParaRPr>
+              <a:t>APP CIIP - Projet d’approfondissement</a:t>
+            </a:r>
           </a:p>
         </p:txBody>
       </p:sp>
@@ -8322,10 +8573,38 @@
           </a:p>
         </p:txBody>
       </p:sp>
+      <p:pic>
+        <p:nvPicPr>
+          <p:cNvPr id="10" name="Image 9"/>
+          <p:cNvPicPr/>
+          <p:nvPr/>
+        </p:nvPicPr>
+        <p:blipFill>
+          <a:blip r:embed="rId4">
+            <a:extLst>
+              <a:ext uri="{28A0092B-C50C-407E-A947-70E740481C1C}">
+                <a14:useLocalDpi xmlns:a14="http://schemas.microsoft.com/office/drawing/2010/main" val="0"/>
+              </a:ext>
+            </a:extLst>
+          </a:blip>
+          <a:stretch>
+            <a:fillRect/>
+          </a:stretch>
+        </p:blipFill>
+        <p:spPr>
+          <a:xfrm>
+            <a:off x="651802" y="1650536"/>
+            <a:ext cx="4777447" cy="4493089"/>
+          </a:xfrm>
+          <a:prstGeom prst="rect">
+            <a:avLst/>
+          </a:prstGeom>
+        </p:spPr>
+      </p:pic>
     </p:spTree>
     <p:extLst>
       <p:ext uri="{BB962C8B-B14F-4D97-AF65-F5344CB8AC3E}">
-        <p14:creationId xmlns:p14="http://schemas.microsoft.com/office/powerpoint/2010/main" val="3658001820"/>
+        <p14:creationId xmlns:p14="http://schemas.microsoft.com/office/powerpoint/2010/main" val="2503019416"/>
       </p:ext>
     </p:extLst>
   </p:cSld>
